--- a/Report/NLP.pptx
+++ b/Report/NLP.pptx
@@ -9,17 +9,19 @@
     <p:sldId id="263" r:id="rId3"/>
     <p:sldId id="264" r:id="rId4"/>
     <p:sldId id="265" r:id="rId5"/>
-    <p:sldId id="258" r:id="rId6"/>
-    <p:sldId id="266" r:id="rId7"/>
-    <p:sldId id="267" r:id="rId8"/>
-    <p:sldId id="268" r:id="rId9"/>
-    <p:sldId id="269" r:id="rId10"/>
-    <p:sldId id="261" r:id="rId11"/>
-    <p:sldId id="259" r:id="rId12"/>
-    <p:sldId id="260" r:id="rId13"/>
-    <p:sldId id="270" r:id="rId14"/>
-    <p:sldId id="271" r:id="rId15"/>
-    <p:sldId id="272" r:id="rId16"/>
+    <p:sldId id="266" r:id="rId6"/>
+    <p:sldId id="267" r:id="rId7"/>
+    <p:sldId id="268" r:id="rId8"/>
+    <p:sldId id="269" r:id="rId9"/>
+    <p:sldId id="273" r:id="rId10"/>
+    <p:sldId id="274" r:id="rId11"/>
+    <p:sldId id="261" r:id="rId12"/>
+    <p:sldId id="258" r:id="rId13"/>
+    <p:sldId id="259" r:id="rId14"/>
+    <p:sldId id="260" r:id="rId15"/>
+    <p:sldId id="270" r:id="rId16"/>
+    <p:sldId id="271" r:id="rId17"/>
+    <p:sldId id="272" r:id="rId18"/>
   </p:sldIdLst>
   <p:sldSz cx="9144000" cy="6858000" type="screen4x3"/>
   <p:notesSz cx="6858000" cy="9144000"/>
@@ -120,7 +122,7 @@
   </p:defaultTextStyle>
   <p:extLst>
     <p:ext uri="{EFAFB233-063F-42B5-8137-9DF3F51BA10A}">
-      <p15:sldGuideLst xmlns:p15="http://schemas.microsoft.com/office/powerpoint/2012/main">
+      <p15:sldGuideLst xmlns:p15="http://schemas.microsoft.com/office/powerpoint/2012/main" xmlns="">
         <p15:guide id="1" orient="horz" pos="2160">
           <p15:clr>
             <a:srgbClr val="A4A3A4"/>
@@ -319,7 +321,7 @@
             <a:fld id="{1D8BD707-D9CF-40AE-B4C6-C98DA3205C09}" type="datetimeFigureOut">
               <a:rPr lang="en-US" smtClean="0"/>
               <a:pPr/>
-              <a:t>12/10/2013 Tuesday</a:t>
+              <a:t>12/10/13</a:t>
             </a:fld>
             <a:endParaRPr lang="en-US"/>
           </a:p>
@@ -486,7 +488,7 @@
             <a:fld id="{1D8BD707-D9CF-40AE-B4C6-C98DA3205C09}" type="datetimeFigureOut">
               <a:rPr lang="en-US" smtClean="0"/>
               <a:pPr/>
-              <a:t>12/10/2013 Tuesday</a:t>
+              <a:t>12/10/13</a:t>
             </a:fld>
             <a:endParaRPr lang="en-US"/>
           </a:p>
@@ -663,7 +665,7 @@
             <a:fld id="{1D8BD707-D9CF-40AE-B4C6-C98DA3205C09}" type="datetimeFigureOut">
               <a:rPr lang="en-US" smtClean="0"/>
               <a:pPr/>
-              <a:t>12/10/2013 Tuesday</a:t>
+              <a:t>12/10/13</a:t>
             </a:fld>
             <a:endParaRPr lang="en-US"/>
           </a:p>
@@ -830,7 +832,7 @@
             <a:fld id="{1D8BD707-D9CF-40AE-B4C6-C98DA3205C09}" type="datetimeFigureOut">
               <a:rPr lang="en-US" smtClean="0"/>
               <a:pPr/>
-              <a:t>12/10/2013 Tuesday</a:t>
+              <a:t>12/10/13</a:t>
             </a:fld>
             <a:endParaRPr lang="en-US"/>
           </a:p>
@@ -1073,7 +1075,7 @@
             <a:fld id="{1D8BD707-D9CF-40AE-B4C6-C98DA3205C09}" type="datetimeFigureOut">
               <a:rPr lang="en-US" smtClean="0"/>
               <a:pPr/>
-              <a:t>12/10/2013 Tuesday</a:t>
+              <a:t>12/10/13</a:t>
             </a:fld>
             <a:endParaRPr lang="en-US"/>
           </a:p>
@@ -1358,7 +1360,7 @@
             <a:fld id="{1D8BD707-D9CF-40AE-B4C6-C98DA3205C09}" type="datetimeFigureOut">
               <a:rPr lang="en-US" smtClean="0"/>
               <a:pPr/>
-              <a:t>12/10/2013 Tuesday</a:t>
+              <a:t>12/10/13</a:t>
             </a:fld>
             <a:endParaRPr lang="en-US"/>
           </a:p>
@@ -1777,7 +1779,7 @@
             <a:fld id="{1D8BD707-D9CF-40AE-B4C6-C98DA3205C09}" type="datetimeFigureOut">
               <a:rPr lang="en-US" smtClean="0"/>
               <a:pPr/>
-              <a:t>12/10/2013 Tuesday</a:t>
+              <a:t>12/10/13</a:t>
             </a:fld>
             <a:endParaRPr lang="en-US"/>
           </a:p>
@@ -1892,7 +1894,7 @@
             <a:fld id="{1D8BD707-D9CF-40AE-B4C6-C98DA3205C09}" type="datetimeFigureOut">
               <a:rPr lang="en-US" smtClean="0"/>
               <a:pPr/>
-              <a:t>12/10/2013 Tuesday</a:t>
+              <a:t>12/10/13</a:t>
             </a:fld>
             <a:endParaRPr lang="en-US"/>
           </a:p>
@@ -1984,7 +1986,7 @@
             <a:fld id="{1D8BD707-D9CF-40AE-B4C6-C98DA3205C09}" type="datetimeFigureOut">
               <a:rPr lang="en-US" smtClean="0"/>
               <a:pPr/>
-              <a:t>12/10/2013 Tuesday</a:t>
+              <a:t>12/10/13</a:t>
             </a:fld>
             <a:endParaRPr lang="en-US"/>
           </a:p>
@@ -2258,7 +2260,7 @@
             <a:fld id="{1D8BD707-D9CF-40AE-B4C6-C98DA3205C09}" type="datetimeFigureOut">
               <a:rPr lang="en-US" smtClean="0"/>
               <a:pPr/>
-              <a:t>12/10/2013 Tuesday</a:t>
+              <a:t>12/10/13</a:t>
             </a:fld>
             <a:endParaRPr lang="en-US"/>
           </a:p>
@@ -2508,7 +2510,7 @@
             <a:fld id="{1D8BD707-D9CF-40AE-B4C6-C98DA3205C09}" type="datetimeFigureOut">
               <a:rPr lang="en-US" smtClean="0"/>
               <a:pPr/>
-              <a:t>12/10/2013 Tuesday</a:t>
+              <a:t>12/10/13</a:t>
             </a:fld>
             <a:endParaRPr lang="en-US"/>
           </a:p>
@@ -2718,7 +2720,7 @@
             <a:fld id="{1D8BD707-D9CF-40AE-B4C6-C98DA3205C09}" type="datetimeFigureOut">
               <a:rPr lang="en-US" smtClean="0"/>
               <a:pPr/>
-              <a:t>12/10/2013 Tuesday</a:t>
+              <a:t>12/10/13</a:t>
             </a:fld>
             <a:endParaRPr lang="en-US"/>
           </a:p>
@@ -3171,7 +3173,7 @@
   <p:timing>
     <p:tnLst>
       <p:par>
-        <p:cTn id="1" dur="indefinite" restart="never" nodeType="tmRoot"/>
+        <p:cTn xmlns:p14="http://schemas.microsoft.com/office/powerpoint/2010/main" id="1" dur="indefinite" restart="never" nodeType="tmRoot"/>
       </p:par>
     </p:tnLst>
   </p:timing>
@@ -3211,10 +3213,9 @@
           <a:lstStyle/>
           <a:p>
             <a:r>
-              <a:rPr lang="en-US" altLang="zh-CN" dirty="0"/>
-              <a:t>Implementation details</a:t>
-            </a:r>
-            <a:endParaRPr lang="zh-CN" altLang="en-US" dirty="0"/>
+              <a:rPr lang="en-US" dirty="0"/>
+              <a:t>Negative Sense and Antonym</a:t>
+            </a:r>
           </a:p>
         </p:txBody>
       </p:sp>
@@ -3233,72 +3234,168 @@
           <a:bodyPr/>
           <a:lstStyle/>
           <a:p>
-            <a:pPr marL="514350" indent="-514350">
-              <a:buAutoNum type="arabicPeriod"/>
-            </a:pPr>
-            <a:r>
-              <a:rPr lang="en-US" altLang="zh-CN" dirty="0" smtClean="0"/>
-              <a:t>Preprocess </a:t>
-            </a:r>
-            <a:r>
-              <a:rPr lang="en-US" altLang="zh-CN" dirty="0"/>
-              <a:t>the </a:t>
-            </a:r>
-            <a:r>
-              <a:rPr lang="en-US" altLang="zh-CN" dirty="0" smtClean="0"/>
-              <a:t>dataset</a:t>
-            </a:r>
-          </a:p>
-          <a:p>
-            <a:pPr marL="514350" indent="-514350">
-              <a:buAutoNum type="arabicPeriod"/>
-            </a:pPr>
-            <a:r>
-              <a:rPr lang="en-US" altLang="zh-CN" dirty="0"/>
-              <a:t>Training </a:t>
-            </a:r>
-            <a:r>
-              <a:rPr lang="en-US" altLang="zh-CN" dirty="0" smtClean="0"/>
-              <a:t>Procedure</a:t>
-            </a:r>
-          </a:p>
-          <a:p>
-            <a:pPr marL="514350" indent="-514350">
-              <a:buAutoNum type="arabicPeriod"/>
-            </a:pPr>
-            <a:r>
-              <a:rPr lang="en-US" altLang="zh-CN" dirty="0"/>
-              <a:t>Apply </a:t>
-            </a:r>
-            <a:r>
-              <a:rPr lang="en-US" altLang="zh-CN" dirty="0" smtClean="0"/>
-              <a:t>trained model </a:t>
-            </a:r>
-            <a:r>
-              <a:rPr lang="en-US" altLang="zh-CN" dirty="0"/>
-              <a:t>on test set</a:t>
-            </a:r>
-            <a:endParaRPr lang="en-US" altLang="zh-CN" dirty="0" smtClean="0"/>
+            <a:r>
+              <a:rPr lang="pl-PL" dirty="0" err="1" smtClean="0"/>
+              <a:t>HandleAntonym</a:t>
+            </a:r>
+            <a:endParaRPr lang="pl-PL" dirty="0" smtClean="0"/>
+          </a:p>
+          <a:p>
+            <a:pPr lvl="1"/>
+            <a:r>
+              <a:rPr lang="en-US" dirty="0" smtClean="0"/>
+              <a:t>Searching all negative sense</a:t>
+            </a:r>
+          </a:p>
+          <a:p>
+            <a:pPr lvl="2"/>
+            <a:r>
+              <a:rPr lang="en-US" dirty="0" smtClean="0"/>
+              <a:t>Govern word is </a:t>
+            </a:r>
+            <a:r>
+              <a:rPr lang="de-DE" dirty="0" smtClean="0"/>
+              <a:t>VERB: </a:t>
+            </a:r>
+            <a:r>
+              <a:rPr lang="de-DE" dirty="0" err="1" smtClean="0"/>
+              <a:t>Replace</a:t>
+            </a:r>
+            <a:r>
+              <a:rPr lang="de-DE" dirty="0" smtClean="0"/>
+              <a:t> </a:t>
+            </a:r>
+            <a:r>
+              <a:rPr lang="de-DE" dirty="0" err="1" smtClean="0"/>
+              <a:t>it</a:t>
+            </a:r>
+            <a:r>
+              <a:rPr lang="de-DE" dirty="0" smtClean="0"/>
+              <a:t> </a:t>
+            </a:r>
+            <a:r>
+              <a:rPr lang="de-DE" dirty="0" err="1" smtClean="0"/>
+              <a:t>with</a:t>
+            </a:r>
+            <a:r>
+              <a:rPr lang="de-DE" dirty="0" smtClean="0"/>
+              <a:t> </a:t>
+            </a:r>
+            <a:r>
+              <a:rPr lang="de-DE" dirty="0" err="1" smtClean="0"/>
+              <a:t>the</a:t>
+            </a:r>
+            <a:r>
+              <a:rPr lang="de-DE" dirty="0" smtClean="0"/>
+              <a:t> </a:t>
+            </a:r>
+            <a:r>
+              <a:rPr lang="de-DE" dirty="0" err="1" smtClean="0"/>
+              <a:t>antonym</a:t>
+            </a:r>
+            <a:r>
+              <a:rPr lang="de-DE" dirty="0" smtClean="0"/>
+              <a:t> </a:t>
+            </a:r>
+            <a:r>
+              <a:rPr lang="de-DE" dirty="0" err="1" smtClean="0"/>
+              <a:t>and</a:t>
+            </a:r>
+            <a:r>
+              <a:rPr lang="de-DE" dirty="0" smtClean="0"/>
+              <a:t> </a:t>
+            </a:r>
+            <a:r>
+              <a:rPr lang="de-DE" dirty="0" err="1" smtClean="0"/>
+              <a:t>remove</a:t>
+            </a:r>
+            <a:r>
+              <a:rPr lang="de-DE" dirty="0" smtClean="0"/>
+              <a:t> </a:t>
+            </a:r>
+            <a:r>
+              <a:rPr lang="de-DE" dirty="0" err="1" smtClean="0"/>
+              <a:t>the</a:t>
+            </a:r>
+            <a:r>
+              <a:rPr lang="de-DE" dirty="0"/>
+              <a:t> </a:t>
+            </a:r>
+            <a:r>
+              <a:rPr lang="en-US" dirty="0" smtClean="0"/>
+              <a:t>depend </a:t>
+            </a:r>
+            <a:r>
+              <a:rPr lang="de-DE" dirty="0" err="1" smtClean="0"/>
+              <a:t>word</a:t>
+            </a:r>
+            <a:r>
+              <a:rPr lang="de-DE" dirty="0" smtClean="0"/>
+              <a:t>.</a:t>
+            </a:r>
+          </a:p>
+          <a:p>
+            <a:pPr lvl="2"/>
+            <a:r>
+              <a:rPr lang="en-US" dirty="0" smtClean="0"/>
+              <a:t>V</a:t>
+            </a:r>
+            <a:r>
+              <a:rPr lang="de-DE" dirty="0" smtClean="0"/>
+              <a:t>erb: </a:t>
+            </a:r>
+            <a:r>
+              <a:rPr lang="de-DE" dirty="0" err="1" smtClean="0"/>
+              <a:t>add</a:t>
+            </a:r>
+            <a:r>
+              <a:rPr lang="de-DE" dirty="0" smtClean="0"/>
+              <a:t> </a:t>
+            </a:r>
+            <a:r>
+              <a:rPr lang="de-DE" dirty="0" err="1" smtClean="0"/>
+              <a:t>one</a:t>
+            </a:r>
+            <a:r>
+              <a:rPr lang="de-DE" dirty="0" smtClean="0"/>
+              <a:t> </a:t>
+            </a:r>
+            <a:r>
+              <a:rPr lang="de-DE" dirty="0" err="1" smtClean="0"/>
+              <a:t>to</a:t>
+            </a:r>
+            <a:r>
+              <a:rPr lang="de-DE" dirty="0" smtClean="0"/>
+              <a:t> </a:t>
+            </a:r>
+            <a:r>
+              <a:rPr lang="en-US" dirty="0" smtClean="0"/>
+              <a:t>NOTCOUNTER.</a:t>
+            </a:r>
+          </a:p>
+          <a:p>
+            <a:pPr lvl="1"/>
+            <a:r>
+              <a:rPr lang="en-US" dirty="0" smtClean="0"/>
+              <a:t>Return NOTCOUNTER%2 and the new sentence.</a:t>
+            </a:r>
+          </a:p>
+          <a:p>
+            <a:pPr lvl="2"/>
+            <a:endParaRPr lang="en-US" dirty="0"/>
           </a:p>
         </p:txBody>
       </p:sp>
     </p:spTree>
     <p:extLst>
       <p:ext uri="{BB962C8B-B14F-4D97-AF65-F5344CB8AC3E}">
-        <p14:creationId xmlns:p14="http://schemas.microsoft.com/office/powerpoint/2010/main" val="29350776"/>
+        <p14:creationId xmlns:p14="http://schemas.microsoft.com/office/powerpoint/2010/main" val="106823209"/>
       </p:ext>
     </p:extLst>
   </p:cSld>
   <p:clrMapOvr>
     <a:masterClrMapping/>
   </p:clrMapOvr>
-  <p:timing>
-    <p:tnLst>
-      <p:par>
-        <p:cTn id="1" dur="indefinite" restart="never" nodeType="tmRoot"/>
-      </p:par>
-    </p:tnLst>
-  </p:timing>
 </p:sld>
 </file>
 
@@ -3335,12 +3432,8 @@
           <a:lstStyle/>
           <a:p>
             <a:r>
-              <a:rPr lang="en-US" altLang="zh-CN" dirty="0" smtClean="0"/>
-              <a:t>Text </a:t>
-            </a:r>
-            <a:r>
-              <a:rPr lang="en-US" altLang="zh-CN" dirty="0" smtClean="0"/>
-              <a:t>Normalization(Preprocess)</a:t>
+              <a:rPr lang="en-US" altLang="zh-CN" dirty="0"/>
+              <a:t>Implementation details</a:t>
             </a:r>
             <a:endParaRPr lang="zh-CN" altLang="en-US" dirty="0"/>
           </a:p>
@@ -3361,94 +3454,59 @@
           <a:bodyPr/>
           <a:lstStyle/>
           <a:p>
-            <a:r>
-              <a:rPr lang="en-US" altLang="zh-CN" dirty="0" smtClean="0"/>
-              <a:t>Tokenize (NLTK)</a:t>
-            </a:r>
-          </a:p>
-          <a:p>
-            <a:pPr lvl="1"/>
-            <a:r>
-              <a:rPr lang="en-US" altLang="zh-CN" dirty="0"/>
-              <a:t>Remove </a:t>
-            </a:r>
-            <a:r>
-              <a:rPr lang="en-US" altLang="zh-CN" dirty="0" smtClean="0"/>
-              <a:t>stop words </a:t>
-            </a:r>
-            <a:r>
-              <a:rPr lang="en-US" altLang="zh-CN" dirty="0"/>
-              <a:t>and </a:t>
-            </a:r>
-            <a:r>
-              <a:rPr lang="en-US" altLang="zh-CN" dirty="0" smtClean="0"/>
-              <a:t>pronunciations</a:t>
-            </a:r>
-          </a:p>
-          <a:p>
-            <a:pPr lvl="1"/>
-            <a:r>
-              <a:rPr lang="en-US" altLang="zh-CN" dirty="0" smtClean="0"/>
-              <a:t>Leave some special “stop words”</a:t>
-            </a:r>
-          </a:p>
-          <a:p>
-            <a:pPr lvl="2"/>
-            <a:r>
-              <a:rPr lang="en-US" altLang="zh-CN" dirty="0" smtClean="0"/>
-              <a:t>Up, down…</a:t>
-            </a:r>
-          </a:p>
-          <a:p>
-            <a:r>
-              <a:rPr lang="en-US" altLang="zh-CN" dirty="0" smtClean="0"/>
-              <a:t>Stem</a:t>
-            </a:r>
-            <a:r>
-              <a:rPr lang="en-US" altLang="zh-CN" dirty="0"/>
-              <a:t>(NLTK</a:t>
-            </a:r>
-            <a:r>
-              <a:rPr lang="en-US" altLang="zh-CN" dirty="0" smtClean="0"/>
-              <a:t>)/Lemmatize(</a:t>
-            </a:r>
-            <a:r>
-              <a:rPr lang="en-US" altLang="zh-CN" dirty="0" err="1" smtClean="0"/>
-              <a:t>WordNet</a:t>
-            </a:r>
-            <a:r>
-              <a:rPr lang="en-US" altLang="zh-CN" dirty="0" smtClean="0"/>
-              <a:t>)</a:t>
-            </a:r>
-          </a:p>
-          <a:p>
-            <a:pPr lvl="1"/>
-            <a:r>
-              <a:rPr lang="en-US" altLang="zh-CN" dirty="0" smtClean="0"/>
-              <a:t>Choose stem </a:t>
-            </a:r>
-          </a:p>
-          <a:p>
-            <a:pPr lvl="2"/>
-            <a:r>
-              <a:rPr lang="en-US" altLang="zh-CN" dirty="0" smtClean="0"/>
-              <a:t>run faster then Lemmatizing with good performance</a:t>
-            </a:r>
-          </a:p>
-          <a:p>
-            <a:pPr lvl="2"/>
-            <a:r>
-              <a:rPr lang="en-US" altLang="zh-CN" dirty="0" smtClean="0"/>
-              <a:t>Porter Stemmer</a:t>
-            </a:r>
-            <a:endParaRPr lang="zh-CN" altLang="en-US" dirty="0"/>
+            <a:pPr marL="514350" indent="-514350">
+              <a:buAutoNum type="arabicPeriod"/>
+            </a:pPr>
+            <a:r>
+              <a:rPr lang="en-US" altLang="zh-CN" dirty="0" smtClean="0"/>
+              <a:t>Preprocess </a:t>
+            </a:r>
+            <a:r>
+              <a:rPr lang="en-US" altLang="zh-CN" dirty="0"/>
+              <a:t>the </a:t>
+            </a:r>
+            <a:r>
+              <a:rPr lang="en-US" altLang="zh-CN" dirty="0" smtClean="0"/>
+              <a:t>dataset</a:t>
+            </a:r>
+          </a:p>
+          <a:p>
+            <a:pPr marL="514350" indent="-514350">
+              <a:buAutoNum type="arabicPeriod"/>
+            </a:pPr>
+            <a:r>
+              <a:rPr lang="en-US" altLang="zh-CN" dirty="0"/>
+              <a:t>Training </a:t>
+            </a:r>
+            <a:r>
+              <a:rPr lang="en-US" altLang="zh-CN" dirty="0" smtClean="0"/>
+              <a:t>Procedure</a:t>
+            </a:r>
+          </a:p>
+          <a:p>
+            <a:pPr marL="514350" indent="-514350">
+              <a:buAutoNum type="arabicPeriod"/>
+            </a:pPr>
+            <a:r>
+              <a:rPr lang="en-US" altLang="zh-CN" dirty="0"/>
+              <a:t>Apply </a:t>
+            </a:r>
+            <a:r>
+              <a:rPr lang="en-US" altLang="zh-CN" dirty="0" smtClean="0"/>
+              <a:t>trained model </a:t>
+            </a:r>
+            <a:r>
+              <a:rPr lang="en-US" altLang="zh-CN" dirty="0"/>
+              <a:t>on test set</a:t>
+            </a:r>
+            <a:endParaRPr lang="en-US" altLang="zh-CN" dirty="0" smtClean="0"/>
           </a:p>
         </p:txBody>
       </p:sp>
     </p:spTree>
     <p:extLst>
       <p:ext uri="{BB962C8B-B14F-4D97-AF65-F5344CB8AC3E}">
-        <p14:creationId xmlns:p14="http://schemas.microsoft.com/office/powerpoint/2010/main" val="3902945071"/>
+        <p14:creationId xmlns:p14="http://schemas.microsoft.com/office/powerpoint/2010/main" val="29350776"/>
       </p:ext>
     </p:extLst>
   </p:cSld>
@@ -3458,7 +3516,7 @@
   <p:timing>
     <p:tnLst>
       <p:par>
-        <p:cTn id="1" dur="indefinite" restart="never" nodeType="tmRoot"/>
+        <p:cTn xmlns:p14="http://schemas.microsoft.com/office/powerpoint/2010/main" id="1" dur="indefinite" restart="never" nodeType="tmRoot"/>
       </p:par>
     </p:tnLst>
   </p:timing>
@@ -3499,11 +3557,11 @@
           <a:p>
             <a:r>
               <a:rPr lang="en-US" altLang="zh-CN" dirty="0"/>
-              <a:t>Text </a:t>
-            </a:r>
-            <a:r>
-              <a:rPr lang="en-US" altLang="zh-CN" dirty="0" smtClean="0"/>
-              <a:t>Normalization (Cont.)</a:t>
+              <a:t>Implementation </a:t>
+            </a:r>
+            <a:r>
+              <a:rPr lang="en-US" altLang="zh-CN" dirty="0" smtClean="0"/>
+              <a:t>details(Cont.)</a:t>
             </a:r>
             <a:endParaRPr lang="zh-CN" altLang="en-US" dirty="0"/>
           </a:p>
@@ -3524,157 +3582,44 @@
           <a:bodyPr/>
           <a:lstStyle/>
           <a:p>
-            <a:r>
-              <a:rPr lang="en-US" altLang="zh-CN" dirty="0" smtClean="0"/>
-              <a:t>Spell Correct</a:t>
-            </a:r>
-          </a:p>
-          <a:p>
-            <a:pPr lvl="1"/>
-            <a:r>
-              <a:rPr lang="en-US" altLang="zh-CN" dirty="0" smtClean="0"/>
-              <a:t>Performed during tokenization</a:t>
-            </a:r>
-          </a:p>
-          <a:p>
-            <a:pPr lvl="1"/>
-            <a:r>
-              <a:rPr lang="en-US" altLang="zh-CN" dirty="0" smtClean="0"/>
-              <a:t>Word Check</a:t>
-            </a:r>
-          </a:p>
-          <a:p>
-            <a:pPr lvl="2"/>
-            <a:r>
-              <a:rPr lang="en-US" altLang="zh-CN" dirty="0" smtClean="0"/>
-              <a:t>Use enchant to check </a:t>
-            </a:r>
-            <a:r>
-              <a:rPr lang="en-US" altLang="zh-CN" dirty="0"/>
-              <a:t>if a word is correct </a:t>
-            </a:r>
-            <a:r>
-              <a:rPr lang="en-US" altLang="zh-CN" dirty="0" smtClean="0"/>
-              <a:t>spelled</a:t>
-            </a:r>
-          </a:p>
-          <a:p>
-            <a:pPr lvl="1"/>
-            <a:r>
-              <a:rPr lang="en-US" altLang="zh-CN" dirty="0" smtClean="0"/>
-              <a:t>Correct </a:t>
-            </a:r>
-            <a:r>
-              <a:rPr lang="en-US" altLang="zh-CN" dirty="0"/>
-              <a:t>word with </a:t>
-            </a:r>
-            <a:r>
-              <a:rPr lang="en-US" altLang="zh-CN" dirty="0" smtClean="0"/>
-              <a:t>“</a:t>
+            <a:pPr marL="0" indent="0">
+              <a:buNone/>
+            </a:pPr>
+            <a:r>
+              <a:rPr lang="en-US" altLang="zh-CN" sz="4000" dirty="0"/>
+              <a:t>Platform/Tools</a:t>
+            </a:r>
+          </a:p>
+          <a:p>
+            <a:r>
+              <a:rPr lang="en-US" altLang="zh-CN" dirty="0" smtClean="0"/>
+              <a:t>Language</a:t>
+            </a:r>
+            <a:r>
+              <a:rPr lang="en-US" altLang="zh-CN" dirty="0" smtClean="0"/>
+              <a:t>: Python</a:t>
+            </a:r>
+          </a:p>
+          <a:p>
+            <a:r>
+              <a:rPr lang="en-US" altLang="zh-CN" dirty="0" smtClean="0"/>
+              <a:t>Package</a:t>
+            </a:r>
+            <a:r>
+              <a:rPr lang="en-US" altLang="zh-CN" dirty="0" smtClean="0"/>
+              <a:t>: Stanford Parser, NLTK, </a:t>
             </a:r>
             <a:r>
               <a:rPr lang="en-US" altLang="zh-CN" dirty="0" err="1" smtClean="0"/>
-              <a:t>edit_distance</a:t>
-            </a:r>
-            <a:r>
-              <a:rPr lang="en-US" altLang="zh-CN" dirty="0" smtClean="0"/>
-              <a:t> == 1”</a:t>
-            </a:r>
-          </a:p>
-          <a:p>
-            <a:pPr lvl="2"/>
-            <a:r>
-              <a:rPr lang="en-US" altLang="zh-CN" dirty="0" smtClean="0"/>
-              <a:t>Insert/delete/replace </a:t>
-            </a:r>
-            <a:r>
-              <a:rPr lang="en-US" altLang="zh-CN" dirty="0"/>
-              <a:t>a letter or single </a:t>
-            </a:r>
-            <a:r>
-              <a:rPr lang="en-US" altLang="zh-CN" dirty="0" smtClean="0"/>
-              <a:t>quote</a:t>
-            </a:r>
-          </a:p>
-          <a:p>
-            <a:pPr lvl="2"/>
-            <a:r>
-              <a:rPr lang="en-US" altLang="zh-CN" dirty="0"/>
-              <a:t>T</a:t>
-            </a:r>
-            <a:r>
-              <a:rPr lang="en-US" altLang="zh-CN" dirty="0" smtClean="0"/>
-              <a:t>ransfer </a:t>
-            </a:r>
-            <a:r>
-              <a:rPr lang="en-US" altLang="zh-CN" dirty="0"/>
-              <a:t>position of adjacent </a:t>
-            </a:r>
-            <a:r>
-              <a:rPr lang="en-US" altLang="zh-CN" dirty="0" smtClean="0"/>
-              <a:t>letter</a:t>
-            </a:r>
-          </a:p>
-          <a:p>
-            <a:pPr lvl="1"/>
-            <a:r>
-              <a:rPr lang="en-US" altLang="zh-CN" dirty="0" smtClean="0"/>
-              <a:t>Populate </a:t>
-            </a:r>
-            <a:r>
-              <a:rPr lang="en-US" altLang="zh-CN" dirty="0"/>
-              <a:t>high frequency words </a:t>
-            </a:r>
-            <a:r>
-              <a:rPr lang="en-US" altLang="zh-CN" dirty="0" smtClean="0"/>
-              <a:t>list for priority</a:t>
-            </a:r>
-          </a:p>
-          <a:p>
-            <a:pPr lvl="2"/>
-            <a:r>
-              <a:rPr lang="en-US" altLang="zh-CN" dirty="0" smtClean="0"/>
-              <a:t>Using fix list with frequent word in train</a:t>
-            </a:r>
-            <a:endParaRPr lang="en-US" altLang="zh-CN" dirty="0"/>
-          </a:p>
-          <a:p>
-            <a:pPr lvl="1"/>
-            <a:endParaRPr lang="en-US" altLang="zh-CN" dirty="0" smtClean="0"/>
-          </a:p>
-          <a:p>
-            <a:pPr lvl="1"/>
-            <a:endParaRPr lang="en-US" altLang="zh-CN" dirty="0" smtClean="0"/>
-          </a:p>
-          <a:p>
-            <a:endParaRPr lang="zh-CN" altLang="en-US" dirty="0"/>
-          </a:p>
-        </p:txBody>
-      </p:sp>
-      <p:sp>
-        <p:nvSpPr>
-          <p:cNvPr id="4" name="矩形 3"/>
-          <p:cNvSpPr/>
-          <p:nvPr/>
-        </p:nvSpPr>
-        <p:spPr>
-          <a:xfrm>
-            <a:off x="3941218" y="3244334"/>
-            <a:ext cx="1261564" cy="369332"/>
-          </a:xfrm>
-          <a:prstGeom prst="rect">
-            <a:avLst/>
-          </a:prstGeom>
-        </p:spPr>
-        <p:txBody>
-          <a:bodyPr wrap="none">
-            <a:spAutoFit/>
-          </a:bodyPr>
-          <a:lstStyle/>
-          <a:p>
-            <a:r>
-              <a:rPr lang="en-US" altLang="zh-CN" dirty="0"/>
-              <a:t>Preprocess </a:t>
+              <a:t>WordNet</a:t>
+            </a:r>
+            <a:r>
+              <a:rPr lang="en-US" altLang="zh-CN" dirty="0" smtClean="0"/>
+              <a:t>, Enchant</a:t>
+            </a:r>
+            <a:r>
+              <a:rPr lang="en-US" altLang="zh-CN" dirty="0" smtClean="0"/>
+              <a:t>,</a:t>
             </a:r>
             <a:endParaRPr lang="zh-CN" altLang="en-US" dirty="0"/>
           </a:p>
@@ -3683,7 +3628,7 @@
     </p:spTree>
     <p:extLst>
       <p:ext uri="{BB962C8B-B14F-4D97-AF65-F5344CB8AC3E}">
-        <p14:creationId xmlns:p14="http://schemas.microsoft.com/office/powerpoint/2010/main" val="3817436943"/>
+        <p14:creationId xmlns:p14="http://schemas.microsoft.com/office/powerpoint/2010/main" val="553515529"/>
       </p:ext>
     </p:extLst>
   </p:cSld>
@@ -3693,7 +3638,7 @@
   <p:timing>
     <p:tnLst>
       <p:par>
-        <p:cTn id="1" dur="indefinite" restart="never" nodeType="tmRoot"/>
+        <p:cTn xmlns:p14="http://schemas.microsoft.com/office/powerpoint/2010/main" id="1" dur="indefinite" restart="never" nodeType="tmRoot"/>
       </p:par>
     </p:tnLst>
   </p:timing>
@@ -3733,6 +3678,371 @@
           <a:lstStyle/>
           <a:p>
             <a:r>
+              <a:rPr lang="en-US" altLang="zh-CN" dirty="0" smtClean="0"/>
+              <a:t>Text Normalization(Preprocess)</a:t>
+            </a:r>
+            <a:endParaRPr lang="zh-CN" altLang="en-US" dirty="0"/>
+          </a:p>
+        </p:txBody>
+      </p:sp>
+      <p:sp>
+        <p:nvSpPr>
+          <p:cNvPr id="3" name="Content Placeholder 2"/>
+          <p:cNvSpPr>
+            <a:spLocks noGrp="1"/>
+          </p:cNvSpPr>
+          <p:nvPr>
+            <p:ph idx="1"/>
+          </p:nvPr>
+        </p:nvSpPr>
+        <p:spPr/>
+        <p:txBody>
+          <a:bodyPr/>
+          <a:lstStyle/>
+          <a:p>
+            <a:r>
+              <a:rPr lang="en-US" altLang="zh-CN" dirty="0" smtClean="0"/>
+              <a:t>Tokenize (NLTK)</a:t>
+            </a:r>
+          </a:p>
+          <a:p>
+            <a:pPr lvl="1"/>
+            <a:r>
+              <a:rPr lang="en-US" altLang="zh-CN" dirty="0"/>
+              <a:t>Remove </a:t>
+            </a:r>
+            <a:r>
+              <a:rPr lang="en-US" altLang="zh-CN" dirty="0" smtClean="0"/>
+              <a:t>stop words </a:t>
+            </a:r>
+            <a:r>
+              <a:rPr lang="en-US" altLang="zh-CN" dirty="0"/>
+              <a:t>and </a:t>
+            </a:r>
+            <a:r>
+              <a:rPr lang="en-US" altLang="zh-CN" dirty="0" smtClean="0"/>
+              <a:t>pronunciations</a:t>
+            </a:r>
+          </a:p>
+          <a:p>
+            <a:pPr lvl="1"/>
+            <a:r>
+              <a:rPr lang="en-US" altLang="zh-CN" dirty="0" smtClean="0"/>
+              <a:t>Leave some special “stop words”</a:t>
+            </a:r>
+          </a:p>
+          <a:p>
+            <a:pPr lvl="2"/>
+            <a:r>
+              <a:rPr lang="en-US" altLang="zh-CN" dirty="0" smtClean="0"/>
+              <a:t>Up, down…</a:t>
+            </a:r>
+          </a:p>
+          <a:p>
+            <a:r>
+              <a:rPr lang="en-US" altLang="zh-CN" dirty="0" smtClean="0"/>
+              <a:t>Stem</a:t>
+            </a:r>
+            <a:r>
+              <a:rPr lang="en-US" altLang="zh-CN" dirty="0"/>
+              <a:t>(NLTK</a:t>
+            </a:r>
+            <a:r>
+              <a:rPr lang="en-US" altLang="zh-CN" dirty="0" smtClean="0"/>
+              <a:t>)/Lemmatize(</a:t>
+            </a:r>
+            <a:r>
+              <a:rPr lang="en-US" altLang="zh-CN" dirty="0" err="1" smtClean="0"/>
+              <a:t>WordNet</a:t>
+            </a:r>
+            <a:r>
+              <a:rPr lang="en-US" altLang="zh-CN" dirty="0" smtClean="0"/>
+              <a:t>)</a:t>
+            </a:r>
+          </a:p>
+          <a:p>
+            <a:pPr lvl="1"/>
+            <a:r>
+              <a:rPr lang="en-US" altLang="zh-CN" dirty="0" smtClean="0"/>
+              <a:t>Choose stem </a:t>
+            </a:r>
+          </a:p>
+          <a:p>
+            <a:pPr lvl="2"/>
+            <a:r>
+              <a:rPr lang="en-US" altLang="zh-CN" dirty="0" smtClean="0"/>
+              <a:t>run faster then Lemmatizing with good performance</a:t>
+            </a:r>
+          </a:p>
+          <a:p>
+            <a:pPr lvl="2"/>
+            <a:r>
+              <a:rPr lang="en-US" altLang="zh-CN" dirty="0" smtClean="0"/>
+              <a:t>Porter Stemmer</a:t>
+            </a:r>
+            <a:endParaRPr lang="zh-CN" altLang="en-US" dirty="0"/>
+          </a:p>
+        </p:txBody>
+      </p:sp>
+    </p:spTree>
+    <p:extLst>
+      <p:ext uri="{BB962C8B-B14F-4D97-AF65-F5344CB8AC3E}">
+        <p14:creationId xmlns:p14="http://schemas.microsoft.com/office/powerpoint/2010/main" val="3902945071"/>
+      </p:ext>
+    </p:extLst>
+  </p:cSld>
+  <p:clrMapOvr>
+    <a:masterClrMapping/>
+  </p:clrMapOvr>
+  <p:timing>
+    <p:tnLst>
+      <p:par>
+        <p:cTn xmlns:p14="http://schemas.microsoft.com/office/powerpoint/2010/main" id="1" dur="indefinite" restart="never" nodeType="tmRoot"/>
+      </p:par>
+    </p:tnLst>
+  </p:timing>
+</p:sld>
+</file>
+
+<file path=ppt/slides/slide14.xml><?xml version="1.0" encoding="utf-8"?>
+<p:sld xmlns:a="http://schemas.openxmlformats.org/drawingml/2006/main" xmlns:r="http://schemas.openxmlformats.org/officeDocument/2006/relationships" xmlns:p="http://schemas.openxmlformats.org/presentationml/2006/main">
+  <p:cSld>
+    <p:spTree>
+      <p:nvGrpSpPr>
+        <p:cNvPr id="1" name=""/>
+        <p:cNvGrpSpPr/>
+        <p:nvPr/>
+      </p:nvGrpSpPr>
+      <p:grpSpPr>
+        <a:xfrm>
+          <a:off x="0" y="0"/>
+          <a:ext cx="0" cy="0"/>
+          <a:chOff x="0" y="0"/>
+          <a:chExt cx="0" cy="0"/>
+        </a:xfrm>
+      </p:grpSpPr>
+      <p:sp>
+        <p:nvSpPr>
+          <p:cNvPr id="2" name="Title 1"/>
+          <p:cNvSpPr>
+            <a:spLocks noGrp="1"/>
+          </p:cNvSpPr>
+          <p:nvPr>
+            <p:ph type="title"/>
+          </p:nvPr>
+        </p:nvSpPr>
+        <p:spPr/>
+        <p:txBody>
+          <a:bodyPr/>
+          <a:lstStyle/>
+          <a:p>
+            <a:r>
+              <a:rPr lang="en-US" altLang="zh-CN" dirty="0"/>
+              <a:t>Text </a:t>
+            </a:r>
+            <a:r>
+              <a:rPr lang="en-US" altLang="zh-CN" dirty="0" smtClean="0"/>
+              <a:t>Normalization (Cont.)</a:t>
+            </a:r>
+            <a:endParaRPr lang="zh-CN" altLang="en-US" dirty="0"/>
+          </a:p>
+        </p:txBody>
+      </p:sp>
+      <p:sp>
+        <p:nvSpPr>
+          <p:cNvPr id="3" name="Content Placeholder 2"/>
+          <p:cNvSpPr>
+            <a:spLocks noGrp="1"/>
+          </p:cNvSpPr>
+          <p:nvPr>
+            <p:ph idx="1"/>
+          </p:nvPr>
+        </p:nvSpPr>
+        <p:spPr/>
+        <p:txBody>
+          <a:bodyPr/>
+          <a:lstStyle/>
+          <a:p>
+            <a:r>
+              <a:rPr lang="en-US" altLang="zh-CN" dirty="0" smtClean="0"/>
+              <a:t>Spell Correct</a:t>
+            </a:r>
+          </a:p>
+          <a:p>
+            <a:pPr lvl="1"/>
+            <a:r>
+              <a:rPr lang="en-US" altLang="zh-CN" dirty="0" smtClean="0"/>
+              <a:t>Performed during tokenization</a:t>
+            </a:r>
+          </a:p>
+          <a:p>
+            <a:pPr lvl="1"/>
+            <a:r>
+              <a:rPr lang="en-US" altLang="zh-CN" dirty="0" smtClean="0"/>
+              <a:t>Word Check</a:t>
+            </a:r>
+          </a:p>
+          <a:p>
+            <a:pPr lvl="2"/>
+            <a:r>
+              <a:rPr lang="en-US" altLang="zh-CN" dirty="0" smtClean="0"/>
+              <a:t>Use enchant to check </a:t>
+            </a:r>
+            <a:r>
+              <a:rPr lang="en-US" altLang="zh-CN" dirty="0"/>
+              <a:t>if a word is correct </a:t>
+            </a:r>
+            <a:r>
+              <a:rPr lang="en-US" altLang="zh-CN" dirty="0" smtClean="0"/>
+              <a:t>spelled</a:t>
+            </a:r>
+          </a:p>
+          <a:p>
+            <a:pPr lvl="1"/>
+            <a:r>
+              <a:rPr lang="en-US" altLang="zh-CN" dirty="0" smtClean="0"/>
+              <a:t>Correct </a:t>
+            </a:r>
+            <a:r>
+              <a:rPr lang="en-US" altLang="zh-CN" dirty="0"/>
+              <a:t>word with </a:t>
+            </a:r>
+            <a:r>
+              <a:rPr lang="en-US" altLang="zh-CN" dirty="0" smtClean="0"/>
+              <a:t>“</a:t>
+            </a:r>
+            <a:r>
+              <a:rPr lang="en-US" altLang="zh-CN" dirty="0" err="1" smtClean="0"/>
+              <a:t>edit_distance</a:t>
+            </a:r>
+            <a:r>
+              <a:rPr lang="en-US" altLang="zh-CN" dirty="0" smtClean="0"/>
+              <a:t> == 1”</a:t>
+            </a:r>
+          </a:p>
+          <a:p>
+            <a:pPr lvl="2"/>
+            <a:r>
+              <a:rPr lang="en-US" altLang="zh-CN" dirty="0" smtClean="0"/>
+              <a:t>Insert/delete/replace </a:t>
+            </a:r>
+            <a:r>
+              <a:rPr lang="en-US" altLang="zh-CN" dirty="0"/>
+              <a:t>a letter or single </a:t>
+            </a:r>
+            <a:r>
+              <a:rPr lang="en-US" altLang="zh-CN" dirty="0" smtClean="0"/>
+              <a:t>quote</a:t>
+            </a:r>
+          </a:p>
+          <a:p>
+            <a:pPr lvl="2"/>
+            <a:r>
+              <a:rPr lang="en-US" altLang="zh-CN" dirty="0"/>
+              <a:t>T</a:t>
+            </a:r>
+            <a:r>
+              <a:rPr lang="en-US" altLang="zh-CN" dirty="0" smtClean="0"/>
+              <a:t>ransfer </a:t>
+            </a:r>
+            <a:r>
+              <a:rPr lang="en-US" altLang="zh-CN" dirty="0"/>
+              <a:t>position of adjacent </a:t>
+            </a:r>
+            <a:r>
+              <a:rPr lang="en-US" altLang="zh-CN" dirty="0" smtClean="0"/>
+              <a:t>letter</a:t>
+            </a:r>
+          </a:p>
+          <a:p>
+            <a:pPr lvl="1"/>
+            <a:r>
+              <a:rPr lang="en-US" altLang="zh-CN" dirty="0" smtClean="0"/>
+              <a:t>Populate </a:t>
+            </a:r>
+            <a:r>
+              <a:rPr lang="en-US" altLang="zh-CN" dirty="0"/>
+              <a:t>high frequency words </a:t>
+            </a:r>
+            <a:r>
+              <a:rPr lang="en-US" altLang="zh-CN" dirty="0" smtClean="0"/>
+              <a:t>list for priority</a:t>
+            </a:r>
+          </a:p>
+          <a:p>
+            <a:pPr lvl="2"/>
+            <a:r>
+              <a:rPr lang="en-US" altLang="zh-CN" dirty="0" smtClean="0"/>
+              <a:t>Using fix list with frequent word in train</a:t>
+            </a:r>
+            <a:endParaRPr lang="en-US" altLang="zh-CN" dirty="0"/>
+          </a:p>
+          <a:p>
+            <a:pPr lvl="1"/>
+            <a:endParaRPr lang="en-US" altLang="zh-CN" dirty="0" smtClean="0"/>
+          </a:p>
+          <a:p>
+            <a:pPr lvl="1"/>
+            <a:endParaRPr lang="en-US" altLang="zh-CN" dirty="0" smtClean="0"/>
+          </a:p>
+          <a:p>
+            <a:endParaRPr lang="zh-CN" altLang="en-US" dirty="0"/>
+          </a:p>
+        </p:txBody>
+      </p:sp>
+    </p:spTree>
+    <p:extLst>
+      <p:ext uri="{BB962C8B-B14F-4D97-AF65-F5344CB8AC3E}">
+        <p14:creationId xmlns:p14="http://schemas.microsoft.com/office/powerpoint/2010/main" val="3817436943"/>
+      </p:ext>
+    </p:extLst>
+  </p:cSld>
+  <p:clrMapOvr>
+    <a:masterClrMapping/>
+  </p:clrMapOvr>
+  <p:timing>
+    <p:tnLst>
+      <p:par>
+        <p:cTn xmlns:p14="http://schemas.microsoft.com/office/powerpoint/2010/main" id="1" dur="indefinite" restart="never" nodeType="tmRoot"/>
+      </p:par>
+    </p:tnLst>
+  </p:timing>
+</p:sld>
+</file>
+
+<file path=ppt/slides/slide15.xml><?xml version="1.0" encoding="utf-8"?>
+<p:sld xmlns:a="http://schemas.openxmlformats.org/drawingml/2006/main" xmlns:r="http://schemas.openxmlformats.org/officeDocument/2006/relationships" xmlns:p="http://schemas.openxmlformats.org/presentationml/2006/main">
+  <p:cSld>
+    <p:spTree>
+      <p:nvGrpSpPr>
+        <p:cNvPr id="1" name=""/>
+        <p:cNvGrpSpPr/>
+        <p:nvPr/>
+      </p:nvGrpSpPr>
+      <p:grpSpPr>
+        <a:xfrm>
+          <a:off x="0" y="0"/>
+          <a:ext cx="0" cy="0"/>
+          <a:chOff x="0" y="0"/>
+          <a:chExt cx="0" cy="0"/>
+        </a:xfrm>
+      </p:grpSpPr>
+      <p:sp>
+        <p:nvSpPr>
+          <p:cNvPr id="2" name="Title 1"/>
+          <p:cNvSpPr>
+            <a:spLocks noGrp="1"/>
+          </p:cNvSpPr>
+          <p:nvPr>
+            <p:ph type="title"/>
+          </p:nvPr>
+        </p:nvSpPr>
+        <p:spPr/>
+        <p:txBody>
+          <a:bodyPr/>
+          <a:lstStyle/>
+          <a:p>
+            <a:r>
               <a:rPr lang="en-US" altLang="zh-CN" dirty="0"/>
               <a:t>Training Procedure</a:t>
             </a:r>
@@ -3906,14 +4216,14 @@
   <p:timing>
     <p:tnLst>
       <p:par>
-        <p:cTn id="1" dur="indefinite" restart="never" nodeType="tmRoot"/>
+        <p:cTn xmlns:p14="http://schemas.microsoft.com/office/powerpoint/2010/main" id="1" dur="indefinite" restart="never" nodeType="tmRoot"/>
       </p:par>
     </p:tnLst>
   </p:timing>
 </p:sld>
 </file>
 
-<file path=ppt/slides/slide14.xml><?xml version="1.0" encoding="utf-8"?>
+<file path=ppt/slides/slide16.xml><?xml version="1.0" encoding="utf-8"?>
 <p:sld xmlns:a="http://schemas.openxmlformats.org/drawingml/2006/main" xmlns:r="http://schemas.openxmlformats.org/officeDocument/2006/relationships" xmlns:p="http://schemas.openxmlformats.org/presentationml/2006/main">
   <p:cSld>
     <p:spTree>
@@ -3991,14 +4301,14 @@
   <p:timing>
     <p:tnLst>
       <p:par>
-        <p:cTn id="1" dur="indefinite" restart="never" nodeType="tmRoot"/>
+        <p:cTn xmlns:p14="http://schemas.microsoft.com/office/powerpoint/2010/main" id="1" dur="indefinite" restart="never" nodeType="tmRoot"/>
       </p:par>
     </p:tnLst>
   </p:timing>
 </p:sld>
 </file>
 
-<file path=ppt/slides/slide15.xml><?xml version="1.0" encoding="utf-8"?>
+<file path=ppt/slides/slide17.xml><?xml version="1.0" encoding="utf-8"?>
 <p:sld xmlns:a="http://schemas.openxmlformats.org/drawingml/2006/main" xmlns:r="http://schemas.openxmlformats.org/officeDocument/2006/relationships" xmlns:p="http://schemas.openxmlformats.org/presentationml/2006/main">
   <p:cSld>
     <p:spTree>
@@ -4051,7 +4361,7 @@
         <p:spPr/>
         <p:txBody>
           <a:bodyPr>
-            <a:normAutofit fontScale="92500" lnSpcReduction="10000"/>
+            <a:normAutofit fontScale="92500" lnSpcReduction="20000"/>
           </a:bodyPr>
           <a:lstStyle/>
           <a:p>
@@ -4128,7 +4438,7 @@
   <p:timing>
     <p:tnLst>
       <p:par>
-        <p:cTn id="1" dur="indefinite" restart="never" nodeType="tmRoot"/>
+        <p:cTn xmlns:p14="http://schemas.microsoft.com/office/powerpoint/2010/main" id="1" dur="indefinite" restart="never" nodeType="tmRoot"/>
       </p:par>
     </p:tnLst>
   </p:timing>
@@ -4465,8 +4775,8 @@
           <a:lstStyle/>
           <a:p>
             <a:r>
-              <a:rPr lang="en-US" altLang="zh-CN" dirty="0" smtClean="0"/>
-              <a:t>Platform/Tools</a:t>
+              <a:rPr lang="en-US" altLang="zh-CN" dirty="0"/>
+              <a:t>Non-domain check</a:t>
             </a:r>
             <a:endParaRPr lang="zh-CN" altLang="en-US" dirty="0"/>
           </a:p>
@@ -4484,34 +4794,100 @@
         </p:nvSpPr>
         <p:spPr/>
         <p:txBody>
-          <a:bodyPr/>
-          <a:lstStyle/>
-          <a:p>
-            <a:r>
-              <a:rPr lang="en-US" altLang="zh-CN" dirty="0" smtClean="0"/>
-              <a:t>Language: Python</a:t>
-            </a:r>
-          </a:p>
-          <a:p>
-            <a:r>
-              <a:rPr lang="en-US" altLang="zh-CN" smtClean="0"/>
-              <a:t>Tools: </a:t>
+          <a:bodyPr>
+            <a:normAutofit fontScale="92500" lnSpcReduction="10000"/>
+          </a:bodyPr>
+          <a:lstStyle/>
+          <a:p>
+            <a:r>
+              <a:rPr lang="en-US" altLang="zh-CN" dirty="0" smtClean="0"/>
+              <a:t>Different </a:t>
+            </a:r>
+            <a:r>
+              <a:rPr lang="en-US" altLang="zh-CN" dirty="0"/>
+              <a:t>from </a:t>
+            </a:r>
+            <a:r>
+              <a:rPr lang="en-US" altLang="zh-CN" dirty="0" smtClean="0"/>
+              <a:t>others in 5-way task</a:t>
+            </a:r>
+          </a:p>
+          <a:p>
+            <a:pPr lvl="1"/>
+            <a:r>
+              <a:rPr lang="en-US" altLang="zh-CN" dirty="0" smtClean="0"/>
+              <a:t>Need check independently</a:t>
+            </a:r>
+          </a:p>
+          <a:p>
+            <a:r>
+              <a:rPr lang="en-US" altLang="zh-CN" dirty="0" smtClean="0"/>
+              <a:t>Method: Populate corpus with</a:t>
+            </a:r>
+          </a:p>
+          <a:p>
+            <a:pPr lvl="1"/>
+            <a:r>
+              <a:rPr lang="en-US" altLang="zh-CN" dirty="0" smtClean="0"/>
+              <a:t>Unigrams of open-class words with occurrence &gt; 1 in all </a:t>
+            </a:r>
+            <a:r>
+              <a:rPr lang="en-US" altLang="zh-CN" dirty="0" err="1" smtClean="0"/>
+              <a:t>non_domain</a:t>
+            </a:r>
+            <a:r>
+              <a:rPr lang="en-US" altLang="zh-CN" dirty="0" smtClean="0"/>
+              <a:t> answers of train set</a:t>
+            </a:r>
+          </a:p>
+          <a:p>
+            <a:pPr lvl="1"/>
+            <a:r>
+              <a:rPr lang="en-US" altLang="zh-CN" dirty="0" smtClean="0"/>
+              <a:t>Bigram of open-class words</a:t>
+            </a:r>
+          </a:p>
+          <a:p>
+            <a:r>
+              <a:rPr lang="en-US" altLang="zh-CN" dirty="0" smtClean="0"/>
+              <a:t>Compute score of an answer for corpus</a:t>
+            </a:r>
+          </a:p>
+          <a:p>
+            <a:pPr lvl="2"/>
+            <a:r>
+              <a:rPr lang="en-US" altLang="zh-CN" dirty="0" smtClean="0"/>
+              <a:t>&gt; 0.9 return </a:t>
+            </a:r>
+            <a:r>
+              <a:rPr lang="en-US" altLang="zh-CN" dirty="0" err="1" smtClean="0"/>
+              <a:t>non_domain</a:t>
             </a:r>
             <a:endParaRPr lang="en-US" altLang="zh-CN" dirty="0" smtClean="0"/>
           </a:p>
           <a:p>
-            <a:r>
-              <a:rPr lang="en-US" altLang="zh-CN" dirty="0" smtClean="0"/>
-              <a:t>Package: Stanford Parser, NLTK, </a:t>
-            </a:r>
-            <a:r>
-              <a:rPr lang="en-US" altLang="zh-CN" dirty="0" err="1" smtClean="0"/>
-              <a:t>WordNet</a:t>
-            </a:r>
-            <a:r>
-              <a:rPr lang="en-US" altLang="zh-CN" dirty="0" smtClean="0"/>
-              <a:t>, Enchant, </a:t>
-            </a:r>
+            <a:pPr lvl="2"/>
+            <a:r>
+              <a:rPr lang="en-US" altLang="zh-CN" dirty="0" smtClean="0"/>
+              <a:t>Otherwise continue</a:t>
+            </a:r>
+          </a:p>
+          <a:p>
+            <a:r>
+              <a:rPr lang="en-US" altLang="zh-CN" dirty="0" smtClean="0"/>
+              <a:t>Precision: .85, Recall: .95</a:t>
+            </a:r>
+          </a:p>
+          <a:p>
+            <a:pPr lvl="2"/>
+            <a:endParaRPr lang="en-US" altLang="zh-CN" dirty="0" smtClean="0"/>
+          </a:p>
+          <a:p>
+            <a:pPr lvl="1"/>
+            <a:endParaRPr lang="en-US" altLang="zh-CN" dirty="0" smtClean="0"/>
+          </a:p>
+          <a:p>
+            <a:pPr lvl="1"/>
             <a:endParaRPr lang="zh-CN" altLang="en-US" dirty="0"/>
           </a:p>
         </p:txBody>
@@ -4519,7 +4895,7 @@
     </p:spTree>
     <p:extLst>
       <p:ext uri="{BB962C8B-B14F-4D97-AF65-F5344CB8AC3E}">
-        <p14:creationId xmlns:p14="http://schemas.microsoft.com/office/powerpoint/2010/main" val="553515529"/>
+        <p14:creationId xmlns:p14="http://schemas.microsoft.com/office/powerpoint/2010/main" val="3220356364"/>
       </p:ext>
     </p:extLst>
   </p:cSld>
@@ -4529,7 +4905,7 @@
   <p:timing>
     <p:tnLst>
       <p:par>
-        <p:cTn id="1" dur="indefinite" restart="never" nodeType="tmRoot"/>
+        <p:cTn xmlns:p14="http://schemas.microsoft.com/office/powerpoint/2010/main" id="1" dur="indefinite" restart="never" nodeType="tmRoot"/>
       </p:par>
     </p:tnLst>
   </p:timing>
@@ -4569,8 +4945,8 @@
           <a:lstStyle/>
           <a:p>
             <a:r>
-              <a:rPr lang="en-US" altLang="zh-CN" dirty="0"/>
-              <a:t>Non-domain check</a:t>
+              <a:rPr lang="en-US" altLang="zh-CN" dirty="0" smtClean="0"/>
+              <a:t>Contradictory Detection</a:t>
             </a:r>
             <a:endParaRPr lang="zh-CN" altLang="en-US" dirty="0"/>
           </a:p>
@@ -4589,177 +4965,7 @@
         <p:spPr/>
         <p:txBody>
           <a:bodyPr>
-            <a:normAutofit fontScale="92500" lnSpcReduction="10000"/>
-          </a:bodyPr>
-          <a:lstStyle/>
-          <a:p>
-            <a:r>
-              <a:rPr lang="en-US" altLang="zh-CN" dirty="0" smtClean="0"/>
-              <a:t>Different </a:t>
-            </a:r>
-            <a:r>
-              <a:rPr lang="en-US" altLang="zh-CN" dirty="0"/>
-              <a:t>from </a:t>
-            </a:r>
-            <a:r>
-              <a:rPr lang="en-US" altLang="zh-CN" dirty="0" smtClean="0"/>
-              <a:t>others in 5-way task</a:t>
-            </a:r>
-          </a:p>
-          <a:p>
-            <a:pPr lvl="1"/>
-            <a:r>
-              <a:rPr lang="en-US" altLang="zh-CN" dirty="0" smtClean="0"/>
-              <a:t>Need check independently</a:t>
-            </a:r>
-          </a:p>
-          <a:p>
-            <a:r>
-              <a:rPr lang="en-US" altLang="zh-CN" dirty="0" smtClean="0"/>
-              <a:t>Method: Populate corpus with</a:t>
-            </a:r>
-          </a:p>
-          <a:p>
-            <a:pPr lvl="1"/>
-            <a:r>
-              <a:rPr lang="en-US" altLang="zh-CN" dirty="0" smtClean="0"/>
-              <a:t>Unigrams of open-class words with occurrence &gt; 1 in all </a:t>
-            </a:r>
-            <a:r>
-              <a:rPr lang="en-US" altLang="zh-CN" dirty="0" err="1" smtClean="0"/>
-              <a:t>non_domain</a:t>
-            </a:r>
-            <a:r>
-              <a:rPr lang="en-US" altLang="zh-CN" dirty="0" smtClean="0"/>
-              <a:t> answers of train set</a:t>
-            </a:r>
-          </a:p>
-          <a:p>
-            <a:pPr lvl="1"/>
-            <a:r>
-              <a:rPr lang="en-US" altLang="zh-CN" dirty="0" smtClean="0"/>
-              <a:t>Bigram of open-class words</a:t>
-            </a:r>
-          </a:p>
-          <a:p>
-            <a:r>
-              <a:rPr lang="en-US" altLang="zh-CN" dirty="0" smtClean="0"/>
-              <a:t>Compute score of an answer for corpus</a:t>
-            </a:r>
-          </a:p>
-          <a:p>
-            <a:pPr lvl="2"/>
-            <a:r>
-              <a:rPr lang="en-US" altLang="zh-CN" dirty="0" smtClean="0"/>
-              <a:t>&gt; 0.9 return </a:t>
-            </a:r>
-            <a:r>
-              <a:rPr lang="en-US" altLang="zh-CN" dirty="0" err="1" smtClean="0"/>
-              <a:t>non_domain</a:t>
-            </a:r>
-            <a:endParaRPr lang="en-US" altLang="zh-CN" dirty="0" smtClean="0"/>
-          </a:p>
-          <a:p>
-            <a:pPr lvl="2"/>
-            <a:r>
-              <a:rPr lang="en-US" altLang="zh-CN" dirty="0" smtClean="0"/>
-              <a:t>Otherwise continue</a:t>
-            </a:r>
-          </a:p>
-          <a:p>
-            <a:r>
-              <a:rPr lang="en-US" altLang="zh-CN" dirty="0" smtClean="0"/>
-              <a:t>Precision: .85, Recall: .95</a:t>
-            </a:r>
-          </a:p>
-          <a:p>
-            <a:pPr lvl="2"/>
-            <a:endParaRPr lang="en-US" altLang="zh-CN" dirty="0" smtClean="0"/>
-          </a:p>
-          <a:p>
-            <a:pPr lvl="1"/>
-            <a:endParaRPr lang="en-US" altLang="zh-CN" dirty="0" smtClean="0"/>
-          </a:p>
-          <a:p>
-            <a:pPr lvl="1"/>
-            <a:endParaRPr lang="zh-CN" altLang="en-US" dirty="0"/>
-          </a:p>
-        </p:txBody>
-      </p:sp>
-    </p:spTree>
-    <p:extLst>
-      <p:ext uri="{BB962C8B-B14F-4D97-AF65-F5344CB8AC3E}">
-        <p14:creationId xmlns:p14="http://schemas.microsoft.com/office/powerpoint/2010/main" val="3220356364"/>
-      </p:ext>
-    </p:extLst>
-  </p:cSld>
-  <p:clrMapOvr>
-    <a:masterClrMapping/>
-  </p:clrMapOvr>
-  <p:timing>
-    <p:tnLst>
-      <p:par>
-        <p:cTn id="1" dur="indefinite" restart="never" nodeType="tmRoot"/>
-      </p:par>
-    </p:tnLst>
-  </p:timing>
-</p:sld>
-</file>
-
-<file path=ppt/slides/slide7.xml><?xml version="1.0" encoding="utf-8"?>
-<p:sld xmlns:a="http://schemas.openxmlformats.org/drawingml/2006/main" xmlns:r="http://schemas.openxmlformats.org/officeDocument/2006/relationships" xmlns:p="http://schemas.openxmlformats.org/presentationml/2006/main">
-  <p:cSld>
-    <p:spTree>
-      <p:nvGrpSpPr>
-        <p:cNvPr id="1" name=""/>
-        <p:cNvGrpSpPr/>
-        <p:nvPr/>
-      </p:nvGrpSpPr>
-      <p:grpSpPr>
-        <a:xfrm>
-          <a:off x="0" y="0"/>
-          <a:ext cx="0" cy="0"/>
-          <a:chOff x="0" y="0"/>
-          <a:chExt cx="0" cy="0"/>
-        </a:xfrm>
-      </p:grpSpPr>
-      <p:sp>
-        <p:nvSpPr>
-          <p:cNvPr id="2" name="Title 1"/>
-          <p:cNvSpPr>
-            <a:spLocks noGrp="1"/>
-          </p:cNvSpPr>
-          <p:nvPr>
-            <p:ph type="title"/>
-          </p:nvPr>
-        </p:nvSpPr>
-        <p:spPr/>
-        <p:txBody>
-          <a:bodyPr/>
-          <a:lstStyle/>
-          <a:p>
-            <a:r>
-              <a:rPr lang="en-US" altLang="zh-CN" dirty="0" smtClean="0"/>
-              <a:t>Contradictory Detection</a:t>
-            </a:r>
-            <a:endParaRPr lang="zh-CN" altLang="en-US" dirty="0"/>
-          </a:p>
-        </p:txBody>
-      </p:sp>
-      <p:sp>
-        <p:nvSpPr>
-          <p:cNvPr id="3" name="Content Placeholder 2"/>
-          <p:cNvSpPr>
-            <a:spLocks noGrp="1"/>
-          </p:cNvSpPr>
-          <p:nvPr>
-            <p:ph idx="1"/>
-          </p:nvPr>
-        </p:nvSpPr>
-        <p:spPr/>
-        <p:txBody>
-          <a:bodyPr>
-            <a:normAutofit lnSpcReduction="10000"/>
+            <a:normAutofit fontScale="92500"/>
           </a:bodyPr>
           <a:lstStyle/>
           <a:p>
@@ -4950,14 +5156,14 @@
   <p:timing>
     <p:tnLst>
       <p:par>
-        <p:cTn id="1" dur="indefinite" restart="never" nodeType="tmRoot"/>
+        <p:cTn xmlns:p14="http://schemas.microsoft.com/office/powerpoint/2010/main" id="1" dur="indefinite" restart="never" nodeType="tmRoot"/>
       </p:par>
     </p:tnLst>
   </p:timing>
 </p:sld>
 </file>
 
-<file path=ppt/slides/slide8.xml><?xml version="1.0" encoding="utf-8"?>
+<file path=ppt/slides/slide7.xml><?xml version="1.0" encoding="utf-8"?>
 <p:sld xmlns:a="http://schemas.openxmlformats.org/drawingml/2006/main" xmlns:r="http://schemas.openxmlformats.org/officeDocument/2006/relationships" xmlns:p="http://schemas.openxmlformats.org/presentationml/2006/main">
   <p:cSld>
     <p:spTree>
@@ -5036,14 +5242,14 @@
   <p:timing>
     <p:tnLst>
       <p:par>
-        <p:cTn id="1" dur="indefinite" restart="never" nodeType="tmRoot"/>
+        <p:cTn xmlns:p14="http://schemas.microsoft.com/office/powerpoint/2010/main" id="1" dur="indefinite" restart="never" nodeType="tmRoot"/>
       </p:par>
     </p:tnLst>
   </p:timing>
 </p:sld>
 </file>
 
-<file path=ppt/slides/slide9.xml><?xml version="1.0" encoding="utf-8"?>
+<file path=ppt/slides/slide8.xml><?xml version="1.0" encoding="utf-8"?>
 <p:sld xmlns:a="http://schemas.openxmlformats.org/drawingml/2006/main" xmlns:r="http://schemas.openxmlformats.org/officeDocument/2006/relationships" xmlns:p="http://schemas.openxmlformats.org/presentationml/2006/main">
   <p:cSld>
     <p:spTree>
@@ -5122,10 +5328,136 @@
   <p:timing>
     <p:tnLst>
       <p:par>
-        <p:cTn id="1" dur="indefinite" restart="never" nodeType="tmRoot"/>
+        <p:cTn xmlns:p14="http://schemas.microsoft.com/office/powerpoint/2010/main" id="1" dur="indefinite" restart="never" nodeType="tmRoot"/>
       </p:par>
     </p:tnLst>
   </p:timing>
+</p:sld>
+</file>
+
+<file path=ppt/slides/slide9.xml><?xml version="1.0" encoding="utf-8"?>
+<p:sld xmlns:a="http://schemas.openxmlformats.org/drawingml/2006/main" xmlns:r="http://schemas.openxmlformats.org/officeDocument/2006/relationships" xmlns:p="http://schemas.openxmlformats.org/presentationml/2006/main">
+  <p:cSld>
+    <p:spTree>
+      <p:nvGrpSpPr>
+        <p:cNvPr id="1" name=""/>
+        <p:cNvGrpSpPr/>
+        <p:nvPr/>
+      </p:nvGrpSpPr>
+      <p:grpSpPr>
+        <a:xfrm>
+          <a:off x="0" y="0"/>
+          <a:ext cx="0" cy="0"/>
+          <a:chOff x="0" y="0"/>
+          <a:chExt cx="0" cy="0"/>
+        </a:xfrm>
+      </p:grpSpPr>
+      <p:sp>
+        <p:nvSpPr>
+          <p:cNvPr id="2" name="Title 1"/>
+          <p:cNvSpPr>
+            <a:spLocks noGrp="1"/>
+          </p:cNvSpPr>
+          <p:nvPr>
+            <p:ph type="title"/>
+          </p:nvPr>
+        </p:nvSpPr>
+        <p:spPr/>
+        <p:txBody>
+          <a:bodyPr/>
+          <a:lstStyle/>
+          <a:p>
+            <a:r>
+              <a:rPr lang="en-US" dirty="0"/>
+              <a:t>Negative Sense and Antonym</a:t>
+            </a:r>
+          </a:p>
+        </p:txBody>
+      </p:sp>
+      <p:sp>
+        <p:nvSpPr>
+          <p:cNvPr id="3" name="Content Placeholder 2"/>
+          <p:cNvSpPr>
+            <a:spLocks noGrp="1"/>
+          </p:cNvSpPr>
+          <p:nvPr>
+            <p:ph idx="1"/>
+          </p:nvPr>
+        </p:nvSpPr>
+        <p:spPr/>
+        <p:txBody>
+          <a:bodyPr/>
+          <a:lstStyle/>
+          <a:p>
+            <a:r>
+              <a:rPr lang="sv-SE" dirty="0" err="1" smtClean="0"/>
+              <a:t>StanfordParser</a:t>
+            </a:r>
+            <a:endParaRPr lang="sv-SE" dirty="0" smtClean="0"/>
+          </a:p>
+          <a:p>
+            <a:r>
+              <a:rPr lang="en-US" dirty="0"/>
+              <a:t>“He is not stupid.”</a:t>
+            </a:r>
+            <a:endParaRPr lang="sv-SE" dirty="0" smtClean="0"/>
+          </a:p>
+          <a:p>
+            <a:pPr lvl="1"/>
+            <a:r>
+              <a:rPr lang="hr-HR" dirty="0"/>
+              <a:t>nsubj(stupid-4, He-1) </a:t>
+            </a:r>
+            <a:endParaRPr lang="hr-HR" dirty="0" smtClean="0"/>
+          </a:p>
+          <a:p>
+            <a:pPr lvl="1"/>
+            <a:r>
+              <a:rPr lang="hr-HR" dirty="0" smtClean="0"/>
+              <a:t>cop</a:t>
+            </a:r>
+            <a:r>
+              <a:rPr lang="hr-HR" dirty="0"/>
+              <a:t>(stupid-4, is-2) </a:t>
+            </a:r>
+            <a:endParaRPr lang="hr-HR" dirty="0" smtClean="0"/>
+          </a:p>
+          <a:p>
+            <a:pPr lvl="1"/>
+            <a:r>
+              <a:rPr lang="hr-HR" b="1" dirty="0" smtClean="0"/>
+              <a:t>neg</a:t>
+            </a:r>
+            <a:r>
+              <a:rPr lang="hr-HR" b="1" dirty="0"/>
+              <a:t>(stupid-4, not-3) </a:t>
+            </a:r>
+            <a:endParaRPr lang="hr-HR" b="1" dirty="0" smtClean="0"/>
+          </a:p>
+          <a:p>
+            <a:pPr lvl="1"/>
+            <a:r>
+              <a:rPr lang="hr-HR" dirty="0" smtClean="0"/>
+              <a:t>root</a:t>
+            </a:r>
+            <a:r>
+              <a:rPr lang="hr-HR" dirty="0"/>
+              <a:t>(ROOT-0, stupid-4)</a:t>
+            </a:r>
+            <a:endParaRPr lang="en-US" dirty="0"/>
+          </a:p>
+        </p:txBody>
+      </p:sp>
+    </p:spTree>
+    <p:extLst>
+      <p:ext uri="{BB962C8B-B14F-4D97-AF65-F5344CB8AC3E}">
+        <p14:creationId xmlns:p14="http://schemas.microsoft.com/office/powerpoint/2010/main" val="3012249765"/>
+      </p:ext>
+    </p:extLst>
+  </p:cSld>
+  <p:clrMapOvr>
+    <a:masterClrMapping/>
+  </p:clrMapOvr>
 </p:sld>
 </file>
 

--- a/Report/NLP.pptx
+++ b/Report/NLP.pptx
@@ -122,7 +122,7 @@
   </p:defaultTextStyle>
   <p:extLst>
     <p:ext uri="{EFAFB233-063F-42B5-8137-9DF3F51BA10A}">
-      <p15:sldGuideLst xmlns:p15="http://schemas.microsoft.com/office/powerpoint/2012/main" xmlns="">
+      <p15:sldGuideLst xmlns="" xmlns:p15="http://schemas.microsoft.com/office/powerpoint/2012/main">
         <p15:guide id="1" orient="horz" pos="2160">
           <p15:clr>
             <a:srgbClr val="A4A3A4"/>
@@ -3259,7 +3259,7 @@
             </a:r>
             <a:r>
               <a:rPr lang="de-DE" dirty="0" err="1" smtClean="0"/>
-              <a:t>Replace</a:t>
+              <a:t>Replac</a:t>
             </a:r>
             <a:r>
               <a:rPr lang="de-DE" dirty="0" smtClean="0"/>
@@ -3323,7 +3323,7 @@
             </a:r>
             <a:r>
               <a:rPr lang="en-US" dirty="0" smtClean="0"/>
-              <a:t>depend </a:t>
+              <a:t>dependent-</a:t>
             </a:r>
             <a:r>
               <a:rPr lang="de-DE" dirty="0" err="1" smtClean="0"/>
@@ -3593,21 +3593,13 @@
           <a:p>
             <a:r>
               <a:rPr lang="en-US" altLang="zh-CN" dirty="0" smtClean="0"/>
-              <a:t>Language</a:t>
-            </a:r>
-            <a:r>
-              <a:rPr lang="en-US" altLang="zh-CN" dirty="0" smtClean="0"/>
-              <a:t>: Python</a:t>
-            </a:r>
-          </a:p>
-          <a:p>
-            <a:r>
-              <a:rPr lang="en-US" altLang="zh-CN" dirty="0" smtClean="0"/>
-              <a:t>Package</a:t>
-            </a:r>
-            <a:r>
-              <a:rPr lang="en-US" altLang="zh-CN" dirty="0" smtClean="0"/>
-              <a:t>: Stanford Parser, NLTK, </a:t>
+              <a:t>Language: Python</a:t>
+            </a:r>
+          </a:p>
+          <a:p>
+            <a:r>
+              <a:rPr lang="en-US" altLang="zh-CN" dirty="0" smtClean="0"/>
+              <a:t>Package: Stanford Parser, NLTK, </a:t>
             </a:r>
             <a:r>
               <a:rPr lang="en-US" altLang="zh-CN" dirty="0" err="1" smtClean="0"/>
@@ -3615,11 +3607,7 @@
             </a:r>
             <a:r>
               <a:rPr lang="en-US" altLang="zh-CN" dirty="0" smtClean="0"/>
-              <a:t>, Enchant</a:t>
-            </a:r>
-            <a:r>
-              <a:rPr lang="en-US" altLang="zh-CN" dirty="0" smtClean="0"/>
-              <a:t>,</a:t>
+              <a:t>, Enchant,</a:t>
             </a:r>
             <a:endParaRPr lang="zh-CN" altLang="en-US" dirty="0"/>
           </a:p>

--- a/Report/NLP.pptx
+++ b/Report/NLP.pptx
@@ -9,19 +9,17 @@
     <p:sldId id="263" r:id="rId3"/>
     <p:sldId id="264" r:id="rId4"/>
     <p:sldId id="265" r:id="rId5"/>
-    <p:sldId id="266" r:id="rId6"/>
-    <p:sldId id="267" r:id="rId7"/>
-    <p:sldId id="268" r:id="rId8"/>
-    <p:sldId id="269" r:id="rId9"/>
-    <p:sldId id="273" r:id="rId10"/>
-    <p:sldId id="274" r:id="rId11"/>
-    <p:sldId id="261" r:id="rId12"/>
-    <p:sldId id="258" r:id="rId13"/>
-    <p:sldId id="259" r:id="rId14"/>
-    <p:sldId id="260" r:id="rId15"/>
-    <p:sldId id="270" r:id="rId16"/>
-    <p:sldId id="271" r:id="rId17"/>
-    <p:sldId id="272" r:id="rId18"/>
+    <p:sldId id="258" r:id="rId6"/>
+    <p:sldId id="266" r:id="rId7"/>
+    <p:sldId id="267" r:id="rId8"/>
+    <p:sldId id="268" r:id="rId9"/>
+    <p:sldId id="269" r:id="rId10"/>
+    <p:sldId id="261" r:id="rId11"/>
+    <p:sldId id="259" r:id="rId12"/>
+    <p:sldId id="260" r:id="rId13"/>
+    <p:sldId id="270" r:id="rId14"/>
+    <p:sldId id="271" r:id="rId15"/>
+    <p:sldId id="272" r:id="rId16"/>
   </p:sldIdLst>
   <p:sldSz cx="9144000" cy="6858000" type="screen4x3"/>
   <p:notesSz cx="6858000" cy="9144000"/>
@@ -122,7 +120,7 @@
   </p:defaultTextStyle>
   <p:extLst>
     <p:ext uri="{EFAFB233-063F-42B5-8137-9DF3F51BA10A}">
-      <p15:sldGuideLst xmlns="" xmlns:p15="http://schemas.microsoft.com/office/powerpoint/2012/main">
+      <p15:sldGuideLst xmlns:p15="http://schemas.microsoft.com/office/powerpoint/2012/main">
         <p15:guide id="1" orient="horz" pos="2160">
           <p15:clr>
             <a:srgbClr val="A4A3A4"/>
@@ -321,7 +319,7 @@
             <a:fld id="{1D8BD707-D9CF-40AE-B4C6-C98DA3205C09}" type="datetimeFigureOut">
               <a:rPr lang="en-US" smtClean="0"/>
               <a:pPr/>
-              <a:t>12/10/13</a:t>
+              <a:t>12/10/2013 Tuesday</a:t>
             </a:fld>
             <a:endParaRPr lang="en-US"/>
           </a:p>
@@ -488,7 +486,7 @@
             <a:fld id="{1D8BD707-D9CF-40AE-B4C6-C98DA3205C09}" type="datetimeFigureOut">
               <a:rPr lang="en-US" smtClean="0"/>
               <a:pPr/>
-              <a:t>12/10/13</a:t>
+              <a:t>12/10/2013 Tuesday</a:t>
             </a:fld>
             <a:endParaRPr lang="en-US"/>
           </a:p>
@@ -665,7 +663,7 @@
             <a:fld id="{1D8BD707-D9CF-40AE-B4C6-C98DA3205C09}" type="datetimeFigureOut">
               <a:rPr lang="en-US" smtClean="0"/>
               <a:pPr/>
-              <a:t>12/10/13</a:t>
+              <a:t>12/10/2013 Tuesday</a:t>
             </a:fld>
             <a:endParaRPr lang="en-US"/>
           </a:p>
@@ -832,7 +830,7 @@
             <a:fld id="{1D8BD707-D9CF-40AE-B4C6-C98DA3205C09}" type="datetimeFigureOut">
               <a:rPr lang="en-US" smtClean="0"/>
               <a:pPr/>
-              <a:t>12/10/13</a:t>
+              <a:t>12/10/2013 Tuesday</a:t>
             </a:fld>
             <a:endParaRPr lang="en-US"/>
           </a:p>
@@ -1075,7 +1073,7 @@
             <a:fld id="{1D8BD707-D9CF-40AE-B4C6-C98DA3205C09}" type="datetimeFigureOut">
               <a:rPr lang="en-US" smtClean="0"/>
               <a:pPr/>
-              <a:t>12/10/13</a:t>
+              <a:t>12/10/2013 Tuesday</a:t>
             </a:fld>
             <a:endParaRPr lang="en-US"/>
           </a:p>
@@ -1360,7 +1358,7 @@
             <a:fld id="{1D8BD707-D9CF-40AE-B4C6-C98DA3205C09}" type="datetimeFigureOut">
               <a:rPr lang="en-US" smtClean="0"/>
               <a:pPr/>
-              <a:t>12/10/13</a:t>
+              <a:t>12/10/2013 Tuesday</a:t>
             </a:fld>
             <a:endParaRPr lang="en-US"/>
           </a:p>
@@ -1779,7 +1777,7 @@
             <a:fld id="{1D8BD707-D9CF-40AE-B4C6-C98DA3205C09}" type="datetimeFigureOut">
               <a:rPr lang="en-US" smtClean="0"/>
               <a:pPr/>
-              <a:t>12/10/13</a:t>
+              <a:t>12/10/2013 Tuesday</a:t>
             </a:fld>
             <a:endParaRPr lang="en-US"/>
           </a:p>
@@ -1894,7 +1892,7 @@
             <a:fld id="{1D8BD707-D9CF-40AE-B4C6-C98DA3205C09}" type="datetimeFigureOut">
               <a:rPr lang="en-US" smtClean="0"/>
               <a:pPr/>
-              <a:t>12/10/13</a:t>
+              <a:t>12/10/2013 Tuesday</a:t>
             </a:fld>
             <a:endParaRPr lang="en-US"/>
           </a:p>
@@ -1986,7 +1984,7 @@
             <a:fld id="{1D8BD707-D9CF-40AE-B4C6-C98DA3205C09}" type="datetimeFigureOut">
               <a:rPr lang="en-US" smtClean="0"/>
               <a:pPr/>
-              <a:t>12/10/13</a:t>
+              <a:t>12/10/2013 Tuesday</a:t>
             </a:fld>
             <a:endParaRPr lang="en-US"/>
           </a:p>
@@ -2260,7 +2258,7 @@
             <a:fld id="{1D8BD707-D9CF-40AE-B4C6-C98DA3205C09}" type="datetimeFigureOut">
               <a:rPr lang="en-US" smtClean="0"/>
               <a:pPr/>
-              <a:t>12/10/13</a:t>
+              <a:t>12/10/2013 Tuesday</a:t>
             </a:fld>
             <a:endParaRPr lang="en-US"/>
           </a:p>
@@ -2510,7 +2508,7 @@
             <a:fld id="{1D8BD707-D9CF-40AE-B4C6-C98DA3205C09}" type="datetimeFigureOut">
               <a:rPr lang="en-US" smtClean="0"/>
               <a:pPr/>
-              <a:t>12/10/13</a:t>
+              <a:t>12/10/2013 Tuesday</a:t>
             </a:fld>
             <a:endParaRPr lang="en-US"/>
           </a:p>
@@ -2720,7 +2718,7 @@
             <a:fld id="{1D8BD707-D9CF-40AE-B4C6-C98DA3205C09}" type="datetimeFigureOut">
               <a:rPr lang="en-US" smtClean="0"/>
               <a:pPr/>
-              <a:t>12/10/13</a:t>
+              <a:t>12/10/2013 Tuesday</a:t>
             </a:fld>
             <a:endParaRPr lang="en-US"/>
           </a:p>
@@ -3173,7 +3171,7 @@
   <p:timing>
     <p:tnLst>
       <p:par>
-        <p:cTn xmlns:p14="http://schemas.microsoft.com/office/powerpoint/2010/main" id="1" dur="indefinite" restart="never" nodeType="tmRoot"/>
+        <p:cTn id="1" dur="indefinite" restart="never" nodeType="tmRoot"/>
       </p:par>
     </p:tnLst>
   </p:timing>
@@ -3213,9 +3211,10 @@
           <a:lstStyle/>
           <a:p>
             <a:r>
-              <a:rPr lang="en-US" dirty="0"/>
-              <a:t>Negative Sense and Antonym</a:t>
-            </a:r>
+              <a:rPr lang="en-US" altLang="zh-CN" dirty="0"/>
+              <a:t>Implementation details</a:t>
+            </a:r>
+            <a:endParaRPr lang="zh-CN" altLang="en-US" dirty="0"/>
           </a:p>
         </p:txBody>
       </p:sp>
@@ -3234,168 +3233,72 @@
           <a:bodyPr/>
           <a:lstStyle/>
           <a:p>
-            <a:r>
-              <a:rPr lang="pl-PL" dirty="0" err="1" smtClean="0"/>
-              <a:t>HandleAntonym</a:t>
-            </a:r>
-            <a:endParaRPr lang="pl-PL" dirty="0" smtClean="0"/>
-          </a:p>
-          <a:p>
-            <a:pPr lvl="1"/>
-            <a:r>
-              <a:rPr lang="en-US" dirty="0" smtClean="0"/>
-              <a:t>Searching all negative sense</a:t>
-            </a:r>
-          </a:p>
-          <a:p>
-            <a:pPr lvl="2"/>
-            <a:r>
-              <a:rPr lang="en-US" dirty="0" smtClean="0"/>
-              <a:t>Govern word is </a:t>
-            </a:r>
-            <a:r>
-              <a:rPr lang="de-DE" dirty="0" smtClean="0"/>
-              <a:t>VERB: </a:t>
-            </a:r>
-            <a:r>
-              <a:rPr lang="de-DE" dirty="0" err="1" smtClean="0"/>
-              <a:t>Replac</a:t>
-            </a:r>
-            <a:r>
-              <a:rPr lang="de-DE" dirty="0" smtClean="0"/>
-              <a:t> </a:t>
-            </a:r>
-            <a:r>
-              <a:rPr lang="de-DE" dirty="0" err="1" smtClean="0"/>
-              <a:t>it</a:t>
-            </a:r>
-            <a:r>
-              <a:rPr lang="de-DE" dirty="0" smtClean="0"/>
-              <a:t> </a:t>
-            </a:r>
-            <a:r>
-              <a:rPr lang="de-DE" dirty="0" err="1" smtClean="0"/>
-              <a:t>with</a:t>
-            </a:r>
-            <a:r>
-              <a:rPr lang="de-DE" dirty="0" smtClean="0"/>
-              <a:t> </a:t>
-            </a:r>
-            <a:r>
-              <a:rPr lang="de-DE" dirty="0" err="1" smtClean="0"/>
-              <a:t>the</a:t>
-            </a:r>
-            <a:r>
-              <a:rPr lang="de-DE" dirty="0" smtClean="0"/>
-              <a:t> </a:t>
-            </a:r>
-            <a:r>
-              <a:rPr lang="de-DE" dirty="0" err="1" smtClean="0"/>
-              <a:t>antonym</a:t>
-            </a:r>
-            <a:r>
-              <a:rPr lang="de-DE" dirty="0" smtClean="0"/>
-              <a:t> </a:t>
-            </a:r>
-            <a:r>
-              <a:rPr lang="de-DE" dirty="0" err="1" smtClean="0"/>
-              <a:t>and</a:t>
-            </a:r>
-            <a:r>
-              <a:rPr lang="de-DE" dirty="0" smtClean="0"/>
-              <a:t> </a:t>
-            </a:r>
-            <a:r>
-              <a:rPr lang="de-DE" dirty="0" err="1" smtClean="0"/>
-              <a:t>remove</a:t>
-            </a:r>
-            <a:r>
-              <a:rPr lang="de-DE" dirty="0" smtClean="0"/>
-              <a:t> </a:t>
-            </a:r>
-            <a:r>
-              <a:rPr lang="de-DE" dirty="0" err="1" smtClean="0"/>
-              <a:t>the</a:t>
-            </a:r>
-            <a:r>
-              <a:rPr lang="de-DE" dirty="0"/>
-              <a:t> </a:t>
-            </a:r>
-            <a:r>
-              <a:rPr lang="en-US" dirty="0" smtClean="0"/>
-              <a:t>dependent-</a:t>
-            </a:r>
-            <a:r>
-              <a:rPr lang="de-DE" dirty="0" err="1" smtClean="0"/>
-              <a:t>word</a:t>
-            </a:r>
-            <a:r>
-              <a:rPr lang="de-DE" dirty="0" smtClean="0"/>
-              <a:t>.</a:t>
-            </a:r>
-          </a:p>
-          <a:p>
-            <a:pPr lvl="2"/>
-            <a:r>
-              <a:rPr lang="en-US" dirty="0" smtClean="0"/>
-              <a:t>V</a:t>
-            </a:r>
-            <a:r>
-              <a:rPr lang="de-DE" dirty="0" smtClean="0"/>
-              <a:t>erb: </a:t>
-            </a:r>
-            <a:r>
-              <a:rPr lang="de-DE" dirty="0" err="1" smtClean="0"/>
-              <a:t>add</a:t>
-            </a:r>
-            <a:r>
-              <a:rPr lang="de-DE" dirty="0" smtClean="0"/>
-              <a:t> </a:t>
-            </a:r>
-            <a:r>
-              <a:rPr lang="de-DE" dirty="0" err="1" smtClean="0"/>
-              <a:t>one</a:t>
-            </a:r>
-            <a:r>
-              <a:rPr lang="de-DE" dirty="0" smtClean="0"/>
-              <a:t> </a:t>
-            </a:r>
-            <a:r>
-              <a:rPr lang="de-DE" dirty="0" err="1" smtClean="0"/>
-              <a:t>to</a:t>
-            </a:r>
-            <a:r>
-              <a:rPr lang="de-DE" dirty="0" smtClean="0"/>
-              <a:t> </a:t>
-            </a:r>
-            <a:r>
-              <a:rPr lang="en-US" dirty="0" smtClean="0"/>
-              <a:t>NOTCOUNTER.</a:t>
-            </a:r>
-          </a:p>
-          <a:p>
-            <a:pPr lvl="1"/>
-            <a:r>
-              <a:rPr lang="en-US" dirty="0" smtClean="0"/>
-              <a:t>Return NOTCOUNTER%2 and the new sentence.</a:t>
-            </a:r>
-          </a:p>
-          <a:p>
-            <a:pPr lvl="2"/>
-            <a:endParaRPr lang="en-US" dirty="0"/>
+            <a:pPr marL="514350" indent="-514350">
+              <a:buAutoNum type="arabicPeriod"/>
+            </a:pPr>
+            <a:r>
+              <a:rPr lang="en-US" altLang="zh-CN" dirty="0" smtClean="0"/>
+              <a:t>Preprocess </a:t>
+            </a:r>
+            <a:r>
+              <a:rPr lang="en-US" altLang="zh-CN" dirty="0"/>
+              <a:t>the </a:t>
+            </a:r>
+            <a:r>
+              <a:rPr lang="en-US" altLang="zh-CN" dirty="0" smtClean="0"/>
+              <a:t>dataset</a:t>
+            </a:r>
+          </a:p>
+          <a:p>
+            <a:pPr marL="514350" indent="-514350">
+              <a:buAutoNum type="arabicPeriod"/>
+            </a:pPr>
+            <a:r>
+              <a:rPr lang="en-US" altLang="zh-CN" dirty="0"/>
+              <a:t>Training </a:t>
+            </a:r>
+            <a:r>
+              <a:rPr lang="en-US" altLang="zh-CN" dirty="0" smtClean="0"/>
+              <a:t>Procedure</a:t>
+            </a:r>
+          </a:p>
+          <a:p>
+            <a:pPr marL="514350" indent="-514350">
+              <a:buAutoNum type="arabicPeriod"/>
+            </a:pPr>
+            <a:r>
+              <a:rPr lang="en-US" altLang="zh-CN" dirty="0"/>
+              <a:t>Apply </a:t>
+            </a:r>
+            <a:r>
+              <a:rPr lang="en-US" altLang="zh-CN" dirty="0" smtClean="0"/>
+              <a:t>trained model </a:t>
+            </a:r>
+            <a:r>
+              <a:rPr lang="en-US" altLang="zh-CN" dirty="0"/>
+              <a:t>on test set</a:t>
+            </a:r>
+            <a:endParaRPr lang="en-US" altLang="zh-CN" dirty="0" smtClean="0"/>
           </a:p>
         </p:txBody>
       </p:sp>
     </p:spTree>
     <p:extLst>
       <p:ext uri="{BB962C8B-B14F-4D97-AF65-F5344CB8AC3E}">
-        <p14:creationId xmlns:p14="http://schemas.microsoft.com/office/powerpoint/2010/main" val="106823209"/>
+        <p14:creationId xmlns:p14="http://schemas.microsoft.com/office/powerpoint/2010/main" val="29350776"/>
       </p:ext>
     </p:extLst>
   </p:cSld>
   <p:clrMapOvr>
     <a:masterClrMapping/>
   </p:clrMapOvr>
+  <p:timing>
+    <p:tnLst>
+      <p:par>
+        <p:cTn id="1" dur="indefinite" restart="never" nodeType="tmRoot"/>
+      </p:par>
+    </p:tnLst>
+  </p:timing>
 </p:sld>
 </file>
 
@@ -3432,8 +3335,12 @@
           <a:lstStyle/>
           <a:p>
             <a:r>
-              <a:rPr lang="en-US" altLang="zh-CN" dirty="0"/>
-              <a:t>Implementation details</a:t>
+              <a:rPr lang="en-US" altLang="zh-CN" dirty="0" smtClean="0"/>
+              <a:t>Text </a:t>
+            </a:r>
+            <a:r>
+              <a:rPr lang="en-US" altLang="zh-CN" dirty="0" smtClean="0"/>
+              <a:t>Normalization(Preprocess)</a:t>
             </a:r>
             <a:endParaRPr lang="zh-CN" altLang="en-US" dirty="0"/>
           </a:p>
@@ -3454,59 +3361,94 @@
           <a:bodyPr/>
           <a:lstStyle/>
           <a:p>
-            <a:pPr marL="514350" indent="-514350">
-              <a:buAutoNum type="arabicPeriod"/>
-            </a:pPr>
-            <a:r>
-              <a:rPr lang="en-US" altLang="zh-CN" dirty="0" smtClean="0"/>
-              <a:t>Preprocess </a:t>
-            </a:r>
-            <a:r>
-              <a:rPr lang="en-US" altLang="zh-CN" dirty="0"/>
-              <a:t>the </a:t>
-            </a:r>
-            <a:r>
-              <a:rPr lang="en-US" altLang="zh-CN" dirty="0" smtClean="0"/>
-              <a:t>dataset</a:t>
-            </a:r>
-          </a:p>
-          <a:p>
-            <a:pPr marL="514350" indent="-514350">
-              <a:buAutoNum type="arabicPeriod"/>
-            </a:pPr>
-            <a:r>
-              <a:rPr lang="en-US" altLang="zh-CN" dirty="0"/>
-              <a:t>Training </a:t>
-            </a:r>
-            <a:r>
-              <a:rPr lang="en-US" altLang="zh-CN" dirty="0" smtClean="0"/>
-              <a:t>Procedure</a:t>
-            </a:r>
-          </a:p>
-          <a:p>
-            <a:pPr marL="514350" indent="-514350">
-              <a:buAutoNum type="arabicPeriod"/>
-            </a:pPr>
-            <a:r>
-              <a:rPr lang="en-US" altLang="zh-CN" dirty="0"/>
-              <a:t>Apply </a:t>
-            </a:r>
-            <a:r>
-              <a:rPr lang="en-US" altLang="zh-CN" dirty="0" smtClean="0"/>
-              <a:t>trained model </a:t>
-            </a:r>
-            <a:r>
-              <a:rPr lang="en-US" altLang="zh-CN" dirty="0"/>
-              <a:t>on test set</a:t>
-            </a:r>
-            <a:endParaRPr lang="en-US" altLang="zh-CN" dirty="0" smtClean="0"/>
+            <a:r>
+              <a:rPr lang="en-US" altLang="zh-CN" dirty="0" smtClean="0"/>
+              <a:t>Tokenize (NLTK)</a:t>
+            </a:r>
+          </a:p>
+          <a:p>
+            <a:pPr lvl="1"/>
+            <a:r>
+              <a:rPr lang="en-US" altLang="zh-CN" dirty="0"/>
+              <a:t>Remove </a:t>
+            </a:r>
+            <a:r>
+              <a:rPr lang="en-US" altLang="zh-CN" dirty="0" smtClean="0"/>
+              <a:t>stop words </a:t>
+            </a:r>
+            <a:r>
+              <a:rPr lang="en-US" altLang="zh-CN" dirty="0"/>
+              <a:t>and </a:t>
+            </a:r>
+            <a:r>
+              <a:rPr lang="en-US" altLang="zh-CN" dirty="0" smtClean="0"/>
+              <a:t>pronunciations</a:t>
+            </a:r>
+          </a:p>
+          <a:p>
+            <a:pPr lvl="1"/>
+            <a:r>
+              <a:rPr lang="en-US" altLang="zh-CN" dirty="0" smtClean="0"/>
+              <a:t>Leave some special “stop words”</a:t>
+            </a:r>
+          </a:p>
+          <a:p>
+            <a:pPr lvl="2"/>
+            <a:r>
+              <a:rPr lang="en-US" altLang="zh-CN" dirty="0" smtClean="0"/>
+              <a:t>Up, down…</a:t>
+            </a:r>
+          </a:p>
+          <a:p>
+            <a:r>
+              <a:rPr lang="en-US" altLang="zh-CN" dirty="0" smtClean="0"/>
+              <a:t>Stem</a:t>
+            </a:r>
+            <a:r>
+              <a:rPr lang="en-US" altLang="zh-CN" dirty="0"/>
+              <a:t>(NLTK</a:t>
+            </a:r>
+            <a:r>
+              <a:rPr lang="en-US" altLang="zh-CN" dirty="0" smtClean="0"/>
+              <a:t>)/Lemmatize(</a:t>
+            </a:r>
+            <a:r>
+              <a:rPr lang="en-US" altLang="zh-CN" dirty="0" err="1" smtClean="0"/>
+              <a:t>WordNet</a:t>
+            </a:r>
+            <a:r>
+              <a:rPr lang="en-US" altLang="zh-CN" dirty="0" smtClean="0"/>
+              <a:t>)</a:t>
+            </a:r>
+          </a:p>
+          <a:p>
+            <a:pPr lvl="1"/>
+            <a:r>
+              <a:rPr lang="en-US" altLang="zh-CN" dirty="0" smtClean="0"/>
+              <a:t>Choose stem </a:t>
+            </a:r>
+          </a:p>
+          <a:p>
+            <a:pPr lvl="2"/>
+            <a:r>
+              <a:rPr lang="en-US" altLang="zh-CN" dirty="0" smtClean="0"/>
+              <a:t>run faster then Lemmatizing with good performance</a:t>
+            </a:r>
+          </a:p>
+          <a:p>
+            <a:pPr lvl="2"/>
+            <a:r>
+              <a:rPr lang="en-US" altLang="zh-CN" dirty="0" smtClean="0"/>
+              <a:t>Porter Stemmer</a:t>
+            </a:r>
+            <a:endParaRPr lang="zh-CN" altLang="en-US" dirty="0"/>
           </a:p>
         </p:txBody>
       </p:sp>
     </p:spTree>
     <p:extLst>
       <p:ext uri="{BB962C8B-B14F-4D97-AF65-F5344CB8AC3E}">
-        <p14:creationId xmlns:p14="http://schemas.microsoft.com/office/powerpoint/2010/main" val="29350776"/>
+        <p14:creationId xmlns:p14="http://schemas.microsoft.com/office/powerpoint/2010/main" val="3902945071"/>
       </p:ext>
     </p:extLst>
   </p:cSld>
@@ -3516,7 +3458,7 @@
   <p:timing>
     <p:tnLst>
       <p:par>
-        <p:cTn xmlns:p14="http://schemas.microsoft.com/office/powerpoint/2010/main" id="1" dur="indefinite" restart="never" nodeType="tmRoot"/>
+        <p:cTn id="1" dur="indefinite" restart="never" nodeType="tmRoot"/>
       </p:par>
     </p:tnLst>
   </p:timing>
@@ -3557,11 +3499,11 @@
           <a:p>
             <a:r>
               <a:rPr lang="en-US" altLang="zh-CN" dirty="0"/>
-              <a:t>Implementation </a:t>
-            </a:r>
-            <a:r>
-              <a:rPr lang="en-US" altLang="zh-CN" dirty="0" smtClean="0"/>
-              <a:t>details(Cont.)</a:t>
+              <a:t>Text </a:t>
+            </a:r>
+            <a:r>
+              <a:rPr lang="en-US" altLang="zh-CN" dirty="0" smtClean="0"/>
+              <a:t>Normalization (Cont.)</a:t>
             </a:r>
             <a:endParaRPr lang="zh-CN" altLang="en-US" dirty="0"/>
           </a:p>
@@ -3582,32 +3524,157 @@
           <a:bodyPr/>
           <a:lstStyle/>
           <a:p>
-            <a:pPr marL="0" indent="0">
-              <a:buNone/>
-            </a:pPr>
-            <a:r>
-              <a:rPr lang="en-US" altLang="zh-CN" sz="4000" dirty="0"/>
-              <a:t>Platform/Tools</a:t>
-            </a:r>
-          </a:p>
-          <a:p>
-            <a:r>
-              <a:rPr lang="en-US" altLang="zh-CN" dirty="0" smtClean="0"/>
-              <a:t>Language: Python</a:t>
-            </a:r>
-          </a:p>
-          <a:p>
-            <a:r>
-              <a:rPr lang="en-US" altLang="zh-CN" dirty="0" smtClean="0"/>
-              <a:t>Package: Stanford Parser, NLTK, </a:t>
+            <a:r>
+              <a:rPr lang="en-US" altLang="zh-CN" dirty="0" smtClean="0"/>
+              <a:t>Spell Correct</a:t>
+            </a:r>
+          </a:p>
+          <a:p>
+            <a:pPr lvl="1"/>
+            <a:r>
+              <a:rPr lang="en-US" altLang="zh-CN" dirty="0" smtClean="0"/>
+              <a:t>Performed during tokenization</a:t>
+            </a:r>
+          </a:p>
+          <a:p>
+            <a:pPr lvl="1"/>
+            <a:r>
+              <a:rPr lang="en-US" altLang="zh-CN" dirty="0" smtClean="0"/>
+              <a:t>Word Check</a:t>
+            </a:r>
+          </a:p>
+          <a:p>
+            <a:pPr lvl="2"/>
+            <a:r>
+              <a:rPr lang="en-US" altLang="zh-CN" dirty="0" smtClean="0"/>
+              <a:t>Use enchant to check </a:t>
+            </a:r>
+            <a:r>
+              <a:rPr lang="en-US" altLang="zh-CN" dirty="0"/>
+              <a:t>if a word is correct </a:t>
+            </a:r>
+            <a:r>
+              <a:rPr lang="en-US" altLang="zh-CN" dirty="0" smtClean="0"/>
+              <a:t>spelled</a:t>
+            </a:r>
+          </a:p>
+          <a:p>
+            <a:pPr lvl="1"/>
+            <a:r>
+              <a:rPr lang="en-US" altLang="zh-CN" dirty="0" smtClean="0"/>
+              <a:t>Correct </a:t>
+            </a:r>
+            <a:r>
+              <a:rPr lang="en-US" altLang="zh-CN" dirty="0"/>
+              <a:t>word with </a:t>
+            </a:r>
+            <a:r>
+              <a:rPr lang="en-US" altLang="zh-CN" dirty="0" smtClean="0"/>
+              <a:t>“</a:t>
             </a:r>
             <a:r>
               <a:rPr lang="en-US" altLang="zh-CN" dirty="0" err="1" smtClean="0"/>
-              <a:t>WordNet</a:t>
-            </a:r>
-            <a:r>
-              <a:rPr lang="en-US" altLang="zh-CN" dirty="0" smtClean="0"/>
-              <a:t>, Enchant,</a:t>
+              <a:t>edit_distance</a:t>
+            </a:r>
+            <a:r>
+              <a:rPr lang="en-US" altLang="zh-CN" dirty="0" smtClean="0"/>
+              <a:t> == 1”</a:t>
+            </a:r>
+          </a:p>
+          <a:p>
+            <a:pPr lvl="2"/>
+            <a:r>
+              <a:rPr lang="en-US" altLang="zh-CN" dirty="0" smtClean="0"/>
+              <a:t>Insert/delete/replace </a:t>
+            </a:r>
+            <a:r>
+              <a:rPr lang="en-US" altLang="zh-CN" dirty="0"/>
+              <a:t>a letter or single </a:t>
+            </a:r>
+            <a:r>
+              <a:rPr lang="en-US" altLang="zh-CN" dirty="0" smtClean="0"/>
+              <a:t>quote</a:t>
+            </a:r>
+          </a:p>
+          <a:p>
+            <a:pPr lvl="2"/>
+            <a:r>
+              <a:rPr lang="en-US" altLang="zh-CN" dirty="0"/>
+              <a:t>T</a:t>
+            </a:r>
+            <a:r>
+              <a:rPr lang="en-US" altLang="zh-CN" dirty="0" smtClean="0"/>
+              <a:t>ransfer </a:t>
+            </a:r>
+            <a:r>
+              <a:rPr lang="en-US" altLang="zh-CN" dirty="0"/>
+              <a:t>position of adjacent </a:t>
+            </a:r>
+            <a:r>
+              <a:rPr lang="en-US" altLang="zh-CN" dirty="0" smtClean="0"/>
+              <a:t>letter</a:t>
+            </a:r>
+          </a:p>
+          <a:p>
+            <a:pPr lvl="1"/>
+            <a:r>
+              <a:rPr lang="en-US" altLang="zh-CN" dirty="0" smtClean="0"/>
+              <a:t>Populate </a:t>
+            </a:r>
+            <a:r>
+              <a:rPr lang="en-US" altLang="zh-CN" dirty="0"/>
+              <a:t>high frequency words </a:t>
+            </a:r>
+            <a:r>
+              <a:rPr lang="en-US" altLang="zh-CN" dirty="0" smtClean="0"/>
+              <a:t>list for priority</a:t>
+            </a:r>
+          </a:p>
+          <a:p>
+            <a:pPr lvl="2"/>
+            <a:r>
+              <a:rPr lang="en-US" altLang="zh-CN" dirty="0" smtClean="0"/>
+              <a:t>Using fix list with frequent word in train</a:t>
+            </a:r>
+            <a:endParaRPr lang="en-US" altLang="zh-CN" dirty="0"/>
+          </a:p>
+          <a:p>
+            <a:pPr lvl="1"/>
+            <a:endParaRPr lang="en-US" altLang="zh-CN" dirty="0" smtClean="0"/>
+          </a:p>
+          <a:p>
+            <a:pPr lvl="1"/>
+            <a:endParaRPr lang="en-US" altLang="zh-CN" dirty="0" smtClean="0"/>
+          </a:p>
+          <a:p>
+            <a:endParaRPr lang="zh-CN" altLang="en-US" dirty="0"/>
+          </a:p>
+        </p:txBody>
+      </p:sp>
+      <p:sp>
+        <p:nvSpPr>
+          <p:cNvPr id="4" name="矩形 3"/>
+          <p:cNvSpPr/>
+          <p:nvPr/>
+        </p:nvSpPr>
+        <p:spPr>
+          <a:xfrm>
+            <a:off x="3941218" y="3244334"/>
+            <a:ext cx="1261564" cy="369332"/>
+          </a:xfrm>
+          <a:prstGeom prst="rect">
+            <a:avLst/>
+          </a:prstGeom>
+        </p:spPr>
+        <p:txBody>
+          <a:bodyPr wrap="none">
+            <a:spAutoFit/>
+          </a:bodyPr>
+          <a:lstStyle/>
+          <a:p>
+            <a:r>
+              <a:rPr lang="en-US" altLang="zh-CN" dirty="0"/>
+              <a:t>Preprocess </a:t>
             </a:r>
             <a:endParaRPr lang="zh-CN" altLang="en-US" dirty="0"/>
           </a:p>
@@ -3616,7 +3683,7 @@
     </p:spTree>
     <p:extLst>
       <p:ext uri="{BB962C8B-B14F-4D97-AF65-F5344CB8AC3E}">
-        <p14:creationId xmlns:p14="http://schemas.microsoft.com/office/powerpoint/2010/main" val="553515529"/>
+        <p14:creationId xmlns:p14="http://schemas.microsoft.com/office/powerpoint/2010/main" val="3817436943"/>
       </p:ext>
     </p:extLst>
   </p:cSld>
@@ -3626,7 +3693,7 @@
   <p:timing>
     <p:tnLst>
       <p:par>
-        <p:cTn xmlns:p14="http://schemas.microsoft.com/office/powerpoint/2010/main" id="1" dur="indefinite" restart="never" nodeType="tmRoot"/>
+        <p:cTn id="1" dur="indefinite" restart="never" nodeType="tmRoot"/>
       </p:par>
     </p:tnLst>
   </p:timing>
@@ -3666,371 +3733,6 @@
           <a:lstStyle/>
           <a:p>
             <a:r>
-              <a:rPr lang="en-US" altLang="zh-CN" dirty="0" smtClean="0"/>
-              <a:t>Text Normalization(Preprocess)</a:t>
-            </a:r>
-            <a:endParaRPr lang="zh-CN" altLang="en-US" dirty="0"/>
-          </a:p>
-        </p:txBody>
-      </p:sp>
-      <p:sp>
-        <p:nvSpPr>
-          <p:cNvPr id="3" name="Content Placeholder 2"/>
-          <p:cNvSpPr>
-            <a:spLocks noGrp="1"/>
-          </p:cNvSpPr>
-          <p:nvPr>
-            <p:ph idx="1"/>
-          </p:nvPr>
-        </p:nvSpPr>
-        <p:spPr/>
-        <p:txBody>
-          <a:bodyPr/>
-          <a:lstStyle/>
-          <a:p>
-            <a:r>
-              <a:rPr lang="en-US" altLang="zh-CN" dirty="0" smtClean="0"/>
-              <a:t>Tokenize (NLTK)</a:t>
-            </a:r>
-          </a:p>
-          <a:p>
-            <a:pPr lvl="1"/>
-            <a:r>
-              <a:rPr lang="en-US" altLang="zh-CN" dirty="0"/>
-              <a:t>Remove </a:t>
-            </a:r>
-            <a:r>
-              <a:rPr lang="en-US" altLang="zh-CN" dirty="0" smtClean="0"/>
-              <a:t>stop words </a:t>
-            </a:r>
-            <a:r>
-              <a:rPr lang="en-US" altLang="zh-CN" dirty="0"/>
-              <a:t>and </a:t>
-            </a:r>
-            <a:r>
-              <a:rPr lang="en-US" altLang="zh-CN" dirty="0" smtClean="0"/>
-              <a:t>pronunciations</a:t>
-            </a:r>
-          </a:p>
-          <a:p>
-            <a:pPr lvl="1"/>
-            <a:r>
-              <a:rPr lang="en-US" altLang="zh-CN" dirty="0" smtClean="0"/>
-              <a:t>Leave some special “stop words”</a:t>
-            </a:r>
-          </a:p>
-          <a:p>
-            <a:pPr lvl="2"/>
-            <a:r>
-              <a:rPr lang="en-US" altLang="zh-CN" dirty="0" smtClean="0"/>
-              <a:t>Up, down…</a:t>
-            </a:r>
-          </a:p>
-          <a:p>
-            <a:r>
-              <a:rPr lang="en-US" altLang="zh-CN" dirty="0" smtClean="0"/>
-              <a:t>Stem</a:t>
-            </a:r>
-            <a:r>
-              <a:rPr lang="en-US" altLang="zh-CN" dirty="0"/>
-              <a:t>(NLTK</a:t>
-            </a:r>
-            <a:r>
-              <a:rPr lang="en-US" altLang="zh-CN" dirty="0" smtClean="0"/>
-              <a:t>)/Lemmatize(</a:t>
-            </a:r>
-            <a:r>
-              <a:rPr lang="en-US" altLang="zh-CN" dirty="0" err="1" smtClean="0"/>
-              <a:t>WordNet</a:t>
-            </a:r>
-            <a:r>
-              <a:rPr lang="en-US" altLang="zh-CN" dirty="0" smtClean="0"/>
-              <a:t>)</a:t>
-            </a:r>
-          </a:p>
-          <a:p>
-            <a:pPr lvl="1"/>
-            <a:r>
-              <a:rPr lang="en-US" altLang="zh-CN" dirty="0" smtClean="0"/>
-              <a:t>Choose stem </a:t>
-            </a:r>
-          </a:p>
-          <a:p>
-            <a:pPr lvl="2"/>
-            <a:r>
-              <a:rPr lang="en-US" altLang="zh-CN" dirty="0" smtClean="0"/>
-              <a:t>run faster then Lemmatizing with good performance</a:t>
-            </a:r>
-          </a:p>
-          <a:p>
-            <a:pPr lvl="2"/>
-            <a:r>
-              <a:rPr lang="en-US" altLang="zh-CN" dirty="0" smtClean="0"/>
-              <a:t>Porter Stemmer</a:t>
-            </a:r>
-            <a:endParaRPr lang="zh-CN" altLang="en-US" dirty="0"/>
-          </a:p>
-        </p:txBody>
-      </p:sp>
-    </p:spTree>
-    <p:extLst>
-      <p:ext uri="{BB962C8B-B14F-4D97-AF65-F5344CB8AC3E}">
-        <p14:creationId xmlns:p14="http://schemas.microsoft.com/office/powerpoint/2010/main" val="3902945071"/>
-      </p:ext>
-    </p:extLst>
-  </p:cSld>
-  <p:clrMapOvr>
-    <a:masterClrMapping/>
-  </p:clrMapOvr>
-  <p:timing>
-    <p:tnLst>
-      <p:par>
-        <p:cTn xmlns:p14="http://schemas.microsoft.com/office/powerpoint/2010/main" id="1" dur="indefinite" restart="never" nodeType="tmRoot"/>
-      </p:par>
-    </p:tnLst>
-  </p:timing>
-</p:sld>
-</file>
-
-<file path=ppt/slides/slide14.xml><?xml version="1.0" encoding="utf-8"?>
-<p:sld xmlns:a="http://schemas.openxmlformats.org/drawingml/2006/main" xmlns:r="http://schemas.openxmlformats.org/officeDocument/2006/relationships" xmlns:p="http://schemas.openxmlformats.org/presentationml/2006/main">
-  <p:cSld>
-    <p:spTree>
-      <p:nvGrpSpPr>
-        <p:cNvPr id="1" name=""/>
-        <p:cNvGrpSpPr/>
-        <p:nvPr/>
-      </p:nvGrpSpPr>
-      <p:grpSpPr>
-        <a:xfrm>
-          <a:off x="0" y="0"/>
-          <a:ext cx="0" cy="0"/>
-          <a:chOff x="0" y="0"/>
-          <a:chExt cx="0" cy="0"/>
-        </a:xfrm>
-      </p:grpSpPr>
-      <p:sp>
-        <p:nvSpPr>
-          <p:cNvPr id="2" name="Title 1"/>
-          <p:cNvSpPr>
-            <a:spLocks noGrp="1"/>
-          </p:cNvSpPr>
-          <p:nvPr>
-            <p:ph type="title"/>
-          </p:nvPr>
-        </p:nvSpPr>
-        <p:spPr/>
-        <p:txBody>
-          <a:bodyPr/>
-          <a:lstStyle/>
-          <a:p>
-            <a:r>
-              <a:rPr lang="en-US" altLang="zh-CN" dirty="0"/>
-              <a:t>Text </a:t>
-            </a:r>
-            <a:r>
-              <a:rPr lang="en-US" altLang="zh-CN" dirty="0" smtClean="0"/>
-              <a:t>Normalization (Cont.)</a:t>
-            </a:r>
-            <a:endParaRPr lang="zh-CN" altLang="en-US" dirty="0"/>
-          </a:p>
-        </p:txBody>
-      </p:sp>
-      <p:sp>
-        <p:nvSpPr>
-          <p:cNvPr id="3" name="Content Placeholder 2"/>
-          <p:cNvSpPr>
-            <a:spLocks noGrp="1"/>
-          </p:cNvSpPr>
-          <p:nvPr>
-            <p:ph idx="1"/>
-          </p:nvPr>
-        </p:nvSpPr>
-        <p:spPr/>
-        <p:txBody>
-          <a:bodyPr/>
-          <a:lstStyle/>
-          <a:p>
-            <a:r>
-              <a:rPr lang="en-US" altLang="zh-CN" dirty="0" smtClean="0"/>
-              <a:t>Spell Correct</a:t>
-            </a:r>
-          </a:p>
-          <a:p>
-            <a:pPr lvl="1"/>
-            <a:r>
-              <a:rPr lang="en-US" altLang="zh-CN" dirty="0" smtClean="0"/>
-              <a:t>Performed during tokenization</a:t>
-            </a:r>
-          </a:p>
-          <a:p>
-            <a:pPr lvl="1"/>
-            <a:r>
-              <a:rPr lang="en-US" altLang="zh-CN" dirty="0" smtClean="0"/>
-              <a:t>Word Check</a:t>
-            </a:r>
-          </a:p>
-          <a:p>
-            <a:pPr lvl="2"/>
-            <a:r>
-              <a:rPr lang="en-US" altLang="zh-CN" dirty="0" smtClean="0"/>
-              <a:t>Use enchant to check </a:t>
-            </a:r>
-            <a:r>
-              <a:rPr lang="en-US" altLang="zh-CN" dirty="0"/>
-              <a:t>if a word is correct </a:t>
-            </a:r>
-            <a:r>
-              <a:rPr lang="en-US" altLang="zh-CN" dirty="0" smtClean="0"/>
-              <a:t>spelled</a:t>
-            </a:r>
-          </a:p>
-          <a:p>
-            <a:pPr lvl="1"/>
-            <a:r>
-              <a:rPr lang="en-US" altLang="zh-CN" dirty="0" smtClean="0"/>
-              <a:t>Correct </a:t>
-            </a:r>
-            <a:r>
-              <a:rPr lang="en-US" altLang="zh-CN" dirty="0"/>
-              <a:t>word with </a:t>
-            </a:r>
-            <a:r>
-              <a:rPr lang="en-US" altLang="zh-CN" dirty="0" smtClean="0"/>
-              <a:t>“</a:t>
-            </a:r>
-            <a:r>
-              <a:rPr lang="en-US" altLang="zh-CN" dirty="0" err="1" smtClean="0"/>
-              <a:t>edit_distance</a:t>
-            </a:r>
-            <a:r>
-              <a:rPr lang="en-US" altLang="zh-CN" dirty="0" smtClean="0"/>
-              <a:t> == 1”</a:t>
-            </a:r>
-          </a:p>
-          <a:p>
-            <a:pPr lvl="2"/>
-            <a:r>
-              <a:rPr lang="en-US" altLang="zh-CN" dirty="0" smtClean="0"/>
-              <a:t>Insert/delete/replace </a:t>
-            </a:r>
-            <a:r>
-              <a:rPr lang="en-US" altLang="zh-CN" dirty="0"/>
-              <a:t>a letter or single </a:t>
-            </a:r>
-            <a:r>
-              <a:rPr lang="en-US" altLang="zh-CN" dirty="0" smtClean="0"/>
-              <a:t>quote</a:t>
-            </a:r>
-          </a:p>
-          <a:p>
-            <a:pPr lvl="2"/>
-            <a:r>
-              <a:rPr lang="en-US" altLang="zh-CN" dirty="0"/>
-              <a:t>T</a:t>
-            </a:r>
-            <a:r>
-              <a:rPr lang="en-US" altLang="zh-CN" dirty="0" smtClean="0"/>
-              <a:t>ransfer </a:t>
-            </a:r>
-            <a:r>
-              <a:rPr lang="en-US" altLang="zh-CN" dirty="0"/>
-              <a:t>position of adjacent </a:t>
-            </a:r>
-            <a:r>
-              <a:rPr lang="en-US" altLang="zh-CN" dirty="0" smtClean="0"/>
-              <a:t>letter</a:t>
-            </a:r>
-          </a:p>
-          <a:p>
-            <a:pPr lvl="1"/>
-            <a:r>
-              <a:rPr lang="en-US" altLang="zh-CN" dirty="0" smtClean="0"/>
-              <a:t>Populate </a:t>
-            </a:r>
-            <a:r>
-              <a:rPr lang="en-US" altLang="zh-CN" dirty="0"/>
-              <a:t>high frequency words </a:t>
-            </a:r>
-            <a:r>
-              <a:rPr lang="en-US" altLang="zh-CN" dirty="0" smtClean="0"/>
-              <a:t>list for priority</a:t>
-            </a:r>
-          </a:p>
-          <a:p>
-            <a:pPr lvl="2"/>
-            <a:r>
-              <a:rPr lang="en-US" altLang="zh-CN" dirty="0" smtClean="0"/>
-              <a:t>Using fix list with frequent word in train</a:t>
-            </a:r>
-            <a:endParaRPr lang="en-US" altLang="zh-CN" dirty="0"/>
-          </a:p>
-          <a:p>
-            <a:pPr lvl="1"/>
-            <a:endParaRPr lang="en-US" altLang="zh-CN" dirty="0" smtClean="0"/>
-          </a:p>
-          <a:p>
-            <a:pPr lvl="1"/>
-            <a:endParaRPr lang="en-US" altLang="zh-CN" dirty="0" smtClean="0"/>
-          </a:p>
-          <a:p>
-            <a:endParaRPr lang="zh-CN" altLang="en-US" dirty="0"/>
-          </a:p>
-        </p:txBody>
-      </p:sp>
-    </p:spTree>
-    <p:extLst>
-      <p:ext uri="{BB962C8B-B14F-4D97-AF65-F5344CB8AC3E}">
-        <p14:creationId xmlns:p14="http://schemas.microsoft.com/office/powerpoint/2010/main" val="3817436943"/>
-      </p:ext>
-    </p:extLst>
-  </p:cSld>
-  <p:clrMapOvr>
-    <a:masterClrMapping/>
-  </p:clrMapOvr>
-  <p:timing>
-    <p:tnLst>
-      <p:par>
-        <p:cTn xmlns:p14="http://schemas.microsoft.com/office/powerpoint/2010/main" id="1" dur="indefinite" restart="never" nodeType="tmRoot"/>
-      </p:par>
-    </p:tnLst>
-  </p:timing>
-</p:sld>
-</file>
-
-<file path=ppt/slides/slide15.xml><?xml version="1.0" encoding="utf-8"?>
-<p:sld xmlns:a="http://schemas.openxmlformats.org/drawingml/2006/main" xmlns:r="http://schemas.openxmlformats.org/officeDocument/2006/relationships" xmlns:p="http://schemas.openxmlformats.org/presentationml/2006/main">
-  <p:cSld>
-    <p:spTree>
-      <p:nvGrpSpPr>
-        <p:cNvPr id="1" name=""/>
-        <p:cNvGrpSpPr/>
-        <p:nvPr/>
-      </p:nvGrpSpPr>
-      <p:grpSpPr>
-        <a:xfrm>
-          <a:off x="0" y="0"/>
-          <a:ext cx="0" cy="0"/>
-          <a:chOff x="0" y="0"/>
-          <a:chExt cx="0" cy="0"/>
-        </a:xfrm>
-      </p:grpSpPr>
-      <p:sp>
-        <p:nvSpPr>
-          <p:cNvPr id="2" name="Title 1"/>
-          <p:cNvSpPr>
-            <a:spLocks noGrp="1"/>
-          </p:cNvSpPr>
-          <p:nvPr>
-            <p:ph type="title"/>
-          </p:nvPr>
-        </p:nvSpPr>
-        <p:spPr/>
-        <p:txBody>
-          <a:bodyPr/>
-          <a:lstStyle/>
-          <a:p>
-            <a:r>
               <a:rPr lang="en-US" altLang="zh-CN" dirty="0"/>
               <a:t>Training Procedure</a:t>
             </a:r>
@@ -4204,14 +3906,14 @@
   <p:timing>
     <p:tnLst>
       <p:par>
-        <p:cTn xmlns:p14="http://schemas.microsoft.com/office/powerpoint/2010/main" id="1" dur="indefinite" restart="never" nodeType="tmRoot"/>
+        <p:cTn id="1" dur="indefinite" restart="never" nodeType="tmRoot"/>
       </p:par>
     </p:tnLst>
   </p:timing>
 </p:sld>
 </file>
 
-<file path=ppt/slides/slide16.xml><?xml version="1.0" encoding="utf-8"?>
+<file path=ppt/slides/slide14.xml><?xml version="1.0" encoding="utf-8"?>
 <p:sld xmlns:a="http://schemas.openxmlformats.org/drawingml/2006/main" xmlns:r="http://schemas.openxmlformats.org/officeDocument/2006/relationships" xmlns:p="http://schemas.openxmlformats.org/presentationml/2006/main">
   <p:cSld>
     <p:spTree>
@@ -4289,14 +3991,14 @@
   <p:timing>
     <p:tnLst>
       <p:par>
-        <p:cTn xmlns:p14="http://schemas.microsoft.com/office/powerpoint/2010/main" id="1" dur="indefinite" restart="never" nodeType="tmRoot"/>
+        <p:cTn id="1" dur="indefinite" restart="never" nodeType="tmRoot"/>
       </p:par>
     </p:tnLst>
   </p:timing>
 </p:sld>
 </file>
 
-<file path=ppt/slides/slide17.xml><?xml version="1.0" encoding="utf-8"?>
+<file path=ppt/slides/slide15.xml><?xml version="1.0" encoding="utf-8"?>
 <p:sld xmlns:a="http://schemas.openxmlformats.org/drawingml/2006/main" xmlns:r="http://schemas.openxmlformats.org/officeDocument/2006/relationships" xmlns:p="http://schemas.openxmlformats.org/presentationml/2006/main">
   <p:cSld>
     <p:spTree>
@@ -4349,7 +4051,7 @@
         <p:spPr/>
         <p:txBody>
           <a:bodyPr>
-            <a:normAutofit fontScale="92500" lnSpcReduction="20000"/>
+            <a:normAutofit fontScale="92500" lnSpcReduction="10000"/>
           </a:bodyPr>
           <a:lstStyle/>
           <a:p>
@@ -4426,7 +4128,7 @@
   <p:timing>
     <p:tnLst>
       <p:par>
-        <p:cTn xmlns:p14="http://schemas.microsoft.com/office/powerpoint/2010/main" id="1" dur="indefinite" restart="never" nodeType="tmRoot"/>
+        <p:cTn id="1" dur="indefinite" restart="never" nodeType="tmRoot"/>
       </p:par>
     </p:tnLst>
   </p:timing>
@@ -4763,8 +4465,8 @@
           <a:lstStyle/>
           <a:p>
             <a:r>
-              <a:rPr lang="en-US" altLang="zh-CN" dirty="0"/>
-              <a:t>Non-domain check</a:t>
+              <a:rPr lang="en-US" altLang="zh-CN" dirty="0" smtClean="0"/>
+              <a:t>Platform/Tools</a:t>
             </a:r>
             <a:endParaRPr lang="zh-CN" altLang="en-US" dirty="0"/>
           </a:p>
@@ -4782,100 +4484,34 @@
         </p:nvSpPr>
         <p:spPr/>
         <p:txBody>
-          <a:bodyPr>
-            <a:normAutofit fontScale="92500" lnSpcReduction="10000"/>
-          </a:bodyPr>
-          <a:lstStyle/>
-          <a:p>
-            <a:r>
-              <a:rPr lang="en-US" altLang="zh-CN" dirty="0" smtClean="0"/>
-              <a:t>Different </a:t>
-            </a:r>
-            <a:r>
-              <a:rPr lang="en-US" altLang="zh-CN" dirty="0"/>
-              <a:t>from </a:t>
-            </a:r>
-            <a:r>
-              <a:rPr lang="en-US" altLang="zh-CN" dirty="0" smtClean="0"/>
-              <a:t>others in 5-way task</a:t>
-            </a:r>
-          </a:p>
-          <a:p>
-            <a:pPr lvl="1"/>
-            <a:r>
-              <a:rPr lang="en-US" altLang="zh-CN" dirty="0" smtClean="0"/>
-              <a:t>Need check independently</a:t>
-            </a:r>
-          </a:p>
-          <a:p>
-            <a:r>
-              <a:rPr lang="en-US" altLang="zh-CN" dirty="0" smtClean="0"/>
-              <a:t>Method: Populate corpus with</a:t>
-            </a:r>
-          </a:p>
-          <a:p>
-            <a:pPr lvl="1"/>
-            <a:r>
-              <a:rPr lang="en-US" altLang="zh-CN" dirty="0" smtClean="0"/>
-              <a:t>Unigrams of open-class words with occurrence &gt; 1 in all </a:t>
+          <a:bodyPr/>
+          <a:lstStyle/>
+          <a:p>
+            <a:r>
+              <a:rPr lang="en-US" altLang="zh-CN" dirty="0" smtClean="0"/>
+              <a:t>Language: Python</a:t>
+            </a:r>
+          </a:p>
+          <a:p>
+            <a:r>
+              <a:rPr lang="en-US" altLang="zh-CN" smtClean="0"/>
+              <a:t>Tools: </a:t>
+            </a:r>
+            <a:endParaRPr lang="en-US" altLang="zh-CN" dirty="0" smtClean="0"/>
+          </a:p>
+          <a:p>
+            <a:r>
+              <a:rPr lang="en-US" altLang="zh-CN" dirty="0" smtClean="0"/>
+              <a:t>Package: Stanford Parser, NLTK, </a:t>
             </a:r>
             <a:r>
               <a:rPr lang="en-US" altLang="zh-CN" dirty="0" err="1" smtClean="0"/>
-              <a:t>non_domain</a:t>
-            </a:r>
-            <a:r>
-              <a:rPr lang="en-US" altLang="zh-CN" dirty="0" smtClean="0"/>
-              <a:t> answers of train set</a:t>
-            </a:r>
-          </a:p>
-          <a:p>
-            <a:pPr lvl="1"/>
-            <a:r>
-              <a:rPr lang="en-US" altLang="zh-CN" dirty="0" smtClean="0"/>
-              <a:t>Bigram of open-class words</a:t>
-            </a:r>
-          </a:p>
-          <a:p>
-            <a:r>
-              <a:rPr lang="en-US" altLang="zh-CN" dirty="0" smtClean="0"/>
-              <a:t>Compute score of an answer for corpus</a:t>
-            </a:r>
-          </a:p>
-          <a:p>
-            <a:pPr lvl="2"/>
-            <a:r>
-              <a:rPr lang="en-US" altLang="zh-CN" dirty="0" smtClean="0"/>
-              <a:t>&gt; 0.9 return </a:t>
-            </a:r>
-            <a:r>
-              <a:rPr lang="en-US" altLang="zh-CN" dirty="0" err="1" smtClean="0"/>
-              <a:t>non_domain</a:t>
-            </a:r>
-            <a:endParaRPr lang="en-US" altLang="zh-CN" dirty="0" smtClean="0"/>
-          </a:p>
-          <a:p>
-            <a:pPr lvl="2"/>
-            <a:r>
-              <a:rPr lang="en-US" altLang="zh-CN" dirty="0" smtClean="0"/>
-              <a:t>Otherwise continue</a:t>
-            </a:r>
-          </a:p>
-          <a:p>
-            <a:r>
-              <a:rPr lang="en-US" altLang="zh-CN" dirty="0" smtClean="0"/>
-              <a:t>Precision: .85, Recall: .95</a:t>
-            </a:r>
-          </a:p>
-          <a:p>
-            <a:pPr lvl="2"/>
-            <a:endParaRPr lang="en-US" altLang="zh-CN" dirty="0" smtClean="0"/>
-          </a:p>
-          <a:p>
-            <a:pPr lvl="1"/>
-            <a:endParaRPr lang="en-US" altLang="zh-CN" dirty="0" smtClean="0"/>
-          </a:p>
-          <a:p>
-            <a:pPr lvl="1"/>
+              <a:t>WordNet</a:t>
+            </a:r>
+            <a:r>
+              <a:rPr lang="en-US" altLang="zh-CN" dirty="0" smtClean="0"/>
+              <a:t>, Enchant, </a:t>
+            </a:r>
             <a:endParaRPr lang="zh-CN" altLang="en-US" dirty="0"/>
           </a:p>
         </p:txBody>
@@ -4883,7 +4519,7 @@
     </p:spTree>
     <p:extLst>
       <p:ext uri="{BB962C8B-B14F-4D97-AF65-F5344CB8AC3E}">
-        <p14:creationId xmlns:p14="http://schemas.microsoft.com/office/powerpoint/2010/main" val="3220356364"/>
+        <p14:creationId xmlns:p14="http://schemas.microsoft.com/office/powerpoint/2010/main" val="553515529"/>
       </p:ext>
     </p:extLst>
   </p:cSld>
@@ -4893,7 +4529,7 @@
   <p:timing>
     <p:tnLst>
       <p:par>
-        <p:cTn xmlns:p14="http://schemas.microsoft.com/office/powerpoint/2010/main" id="1" dur="indefinite" restart="never" nodeType="tmRoot"/>
+        <p:cTn id="1" dur="indefinite" restart="never" nodeType="tmRoot"/>
       </p:par>
     </p:tnLst>
   </p:timing>
@@ -4933,6 +4569,176 @@
           <a:lstStyle/>
           <a:p>
             <a:r>
+              <a:rPr lang="en-US" altLang="zh-CN" dirty="0"/>
+              <a:t>Non-domain check</a:t>
+            </a:r>
+            <a:endParaRPr lang="zh-CN" altLang="en-US" dirty="0"/>
+          </a:p>
+        </p:txBody>
+      </p:sp>
+      <p:sp>
+        <p:nvSpPr>
+          <p:cNvPr id="3" name="Content Placeholder 2"/>
+          <p:cNvSpPr>
+            <a:spLocks noGrp="1"/>
+          </p:cNvSpPr>
+          <p:nvPr>
+            <p:ph idx="1"/>
+          </p:nvPr>
+        </p:nvSpPr>
+        <p:spPr/>
+        <p:txBody>
+          <a:bodyPr>
+            <a:normAutofit fontScale="92500" lnSpcReduction="10000"/>
+          </a:bodyPr>
+          <a:lstStyle/>
+          <a:p>
+            <a:r>
+              <a:rPr lang="en-US" altLang="zh-CN" dirty="0" smtClean="0"/>
+              <a:t>Different </a:t>
+            </a:r>
+            <a:r>
+              <a:rPr lang="en-US" altLang="zh-CN" dirty="0"/>
+              <a:t>from </a:t>
+            </a:r>
+            <a:r>
+              <a:rPr lang="en-US" altLang="zh-CN" dirty="0" smtClean="0"/>
+              <a:t>others in 5-way task</a:t>
+            </a:r>
+          </a:p>
+          <a:p>
+            <a:pPr lvl="1"/>
+            <a:r>
+              <a:rPr lang="en-US" altLang="zh-CN" dirty="0" smtClean="0"/>
+              <a:t>Need check independently</a:t>
+            </a:r>
+          </a:p>
+          <a:p>
+            <a:r>
+              <a:rPr lang="en-US" altLang="zh-CN" dirty="0" smtClean="0"/>
+              <a:t>Method: Populate corpus with</a:t>
+            </a:r>
+          </a:p>
+          <a:p>
+            <a:pPr lvl="1"/>
+            <a:r>
+              <a:rPr lang="en-US" altLang="zh-CN" dirty="0" smtClean="0"/>
+              <a:t>Unigrams of open-class words with occurrence &gt; 1 in all </a:t>
+            </a:r>
+            <a:r>
+              <a:rPr lang="en-US" altLang="zh-CN" dirty="0" err="1" smtClean="0"/>
+              <a:t>non_domain</a:t>
+            </a:r>
+            <a:r>
+              <a:rPr lang="en-US" altLang="zh-CN" dirty="0" smtClean="0"/>
+              <a:t> answers of train set</a:t>
+            </a:r>
+          </a:p>
+          <a:p>
+            <a:pPr lvl="1"/>
+            <a:r>
+              <a:rPr lang="en-US" altLang="zh-CN" dirty="0" smtClean="0"/>
+              <a:t>Bigram of open-class words</a:t>
+            </a:r>
+          </a:p>
+          <a:p>
+            <a:r>
+              <a:rPr lang="en-US" altLang="zh-CN" dirty="0" smtClean="0"/>
+              <a:t>Compute score of an answer for corpus</a:t>
+            </a:r>
+          </a:p>
+          <a:p>
+            <a:pPr lvl="2"/>
+            <a:r>
+              <a:rPr lang="en-US" altLang="zh-CN" dirty="0" smtClean="0"/>
+              <a:t>&gt; 0.9 return </a:t>
+            </a:r>
+            <a:r>
+              <a:rPr lang="en-US" altLang="zh-CN" dirty="0" err="1" smtClean="0"/>
+              <a:t>non_domain</a:t>
+            </a:r>
+            <a:endParaRPr lang="en-US" altLang="zh-CN" dirty="0" smtClean="0"/>
+          </a:p>
+          <a:p>
+            <a:pPr lvl="2"/>
+            <a:r>
+              <a:rPr lang="en-US" altLang="zh-CN" dirty="0" smtClean="0"/>
+              <a:t>Otherwise continue</a:t>
+            </a:r>
+          </a:p>
+          <a:p>
+            <a:r>
+              <a:rPr lang="en-US" altLang="zh-CN" dirty="0" smtClean="0"/>
+              <a:t>Precision: .85, Recall: .95</a:t>
+            </a:r>
+          </a:p>
+          <a:p>
+            <a:pPr lvl="2"/>
+            <a:endParaRPr lang="en-US" altLang="zh-CN" dirty="0" smtClean="0"/>
+          </a:p>
+          <a:p>
+            <a:pPr lvl="1"/>
+            <a:endParaRPr lang="en-US" altLang="zh-CN" dirty="0" smtClean="0"/>
+          </a:p>
+          <a:p>
+            <a:pPr lvl="1"/>
+            <a:endParaRPr lang="zh-CN" altLang="en-US" dirty="0"/>
+          </a:p>
+        </p:txBody>
+      </p:sp>
+    </p:spTree>
+    <p:extLst>
+      <p:ext uri="{BB962C8B-B14F-4D97-AF65-F5344CB8AC3E}">
+        <p14:creationId xmlns:p14="http://schemas.microsoft.com/office/powerpoint/2010/main" val="3220356364"/>
+      </p:ext>
+    </p:extLst>
+  </p:cSld>
+  <p:clrMapOvr>
+    <a:masterClrMapping/>
+  </p:clrMapOvr>
+  <p:timing>
+    <p:tnLst>
+      <p:par>
+        <p:cTn id="1" dur="indefinite" restart="never" nodeType="tmRoot"/>
+      </p:par>
+    </p:tnLst>
+  </p:timing>
+</p:sld>
+</file>
+
+<file path=ppt/slides/slide7.xml><?xml version="1.0" encoding="utf-8"?>
+<p:sld xmlns:a="http://schemas.openxmlformats.org/drawingml/2006/main" xmlns:r="http://schemas.openxmlformats.org/officeDocument/2006/relationships" xmlns:p="http://schemas.openxmlformats.org/presentationml/2006/main">
+  <p:cSld>
+    <p:spTree>
+      <p:nvGrpSpPr>
+        <p:cNvPr id="1" name=""/>
+        <p:cNvGrpSpPr/>
+        <p:nvPr/>
+      </p:nvGrpSpPr>
+      <p:grpSpPr>
+        <a:xfrm>
+          <a:off x="0" y="0"/>
+          <a:ext cx="0" cy="0"/>
+          <a:chOff x="0" y="0"/>
+          <a:chExt cx="0" cy="0"/>
+        </a:xfrm>
+      </p:grpSpPr>
+      <p:sp>
+        <p:nvSpPr>
+          <p:cNvPr id="2" name="Title 1"/>
+          <p:cNvSpPr>
+            <a:spLocks noGrp="1"/>
+          </p:cNvSpPr>
+          <p:nvPr>
+            <p:ph type="title"/>
+          </p:nvPr>
+        </p:nvSpPr>
+        <p:spPr/>
+        <p:txBody>
+          <a:bodyPr/>
+          <a:lstStyle/>
+          <a:p>
+            <a:r>
               <a:rPr lang="en-US" altLang="zh-CN" dirty="0" smtClean="0"/>
               <a:t>Contradictory Detection</a:t>
             </a:r>
@@ -4953,7 +4759,7 @@
         <p:spPr/>
         <p:txBody>
           <a:bodyPr>
-            <a:normAutofit fontScale="92500"/>
+            <a:normAutofit lnSpcReduction="10000"/>
           </a:bodyPr>
           <a:lstStyle/>
           <a:p>
@@ -5144,14 +4950,14 @@
   <p:timing>
     <p:tnLst>
       <p:par>
-        <p:cTn xmlns:p14="http://schemas.microsoft.com/office/powerpoint/2010/main" id="1" dur="indefinite" restart="never" nodeType="tmRoot"/>
+        <p:cTn id="1" dur="indefinite" restart="never" nodeType="tmRoot"/>
       </p:par>
     </p:tnLst>
   </p:timing>
 </p:sld>
 </file>
 
-<file path=ppt/slides/slide7.xml><?xml version="1.0" encoding="utf-8"?>
+<file path=ppt/slides/slide8.xml><?xml version="1.0" encoding="utf-8"?>
 <p:sld xmlns:a="http://schemas.openxmlformats.org/drawingml/2006/main" xmlns:r="http://schemas.openxmlformats.org/officeDocument/2006/relationships" xmlns:p="http://schemas.openxmlformats.org/presentationml/2006/main">
   <p:cSld>
     <p:spTree>
@@ -5230,14 +5036,14 @@
   <p:timing>
     <p:tnLst>
       <p:par>
-        <p:cTn xmlns:p14="http://schemas.microsoft.com/office/powerpoint/2010/main" id="1" dur="indefinite" restart="never" nodeType="tmRoot"/>
+        <p:cTn id="1" dur="indefinite" restart="never" nodeType="tmRoot"/>
       </p:par>
     </p:tnLst>
   </p:timing>
 </p:sld>
 </file>
 
-<file path=ppt/slides/slide8.xml><?xml version="1.0" encoding="utf-8"?>
+<file path=ppt/slides/slide9.xml><?xml version="1.0" encoding="utf-8"?>
 <p:sld xmlns:a="http://schemas.openxmlformats.org/drawingml/2006/main" xmlns:r="http://schemas.openxmlformats.org/officeDocument/2006/relationships" xmlns:p="http://schemas.openxmlformats.org/presentationml/2006/main">
   <p:cSld>
     <p:spTree>
@@ -5316,136 +5122,10 @@
   <p:timing>
     <p:tnLst>
       <p:par>
-        <p:cTn xmlns:p14="http://schemas.microsoft.com/office/powerpoint/2010/main" id="1" dur="indefinite" restart="never" nodeType="tmRoot"/>
+        <p:cTn id="1" dur="indefinite" restart="never" nodeType="tmRoot"/>
       </p:par>
     </p:tnLst>
   </p:timing>
-</p:sld>
-</file>
-
-<file path=ppt/slides/slide9.xml><?xml version="1.0" encoding="utf-8"?>
-<p:sld xmlns:a="http://schemas.openxmlformats.org/drawingml/2006/main" xmlns:r="http://schemas.openxmlformats.org/officeDocument/2006/relationships" xmlns:p="http://schemas.openxmlformats.org/presentationml/2006/main">
-  <p:cSld>
-    <p:spTree>
-      <p:nvGrpSpPr>
-        <p:cNvPr id="1" name=""/>
-        <p:cNvGrpSpPr/>
-        <p:nvPr/>
-      </p:nvGrpSpPr>
-      <p:grpSpPr>
-        <a:xfrm>
-          <a:off x="0" y="0"/>
-          <a:ext cx="0" cy="0"/>
-          <a:chOff x="0" y="0"/>
-          <a:chExt cx="0" cy="0"/>
-        </a:xfrm>
-      </p:grpSpPr>
-      <p:sp>
-        <p:nvSpPr>
-          <p:cNvPr id="2" name="Title 1"/>
-          <p:cNvSpPr>
-            <a:spLocks noGrp="1"/>
-          </p:cNvSpPr>
-          <p:nvPr>
-            <p:ph type="title"/>
-          </p:nvPr>
-        </p:nvSpPr>
-        <p:spPr/>
-        <p:txBody>
-          <a:bodyPr/>
-          <a:lstStyle/>
-          <a:p>
-            <a:r>
-              <a:rPr lang="en-US" dirty="0"/>
-              <a:t>Negative Sense and Antonym</a:t>
-            </a:r>
-          </a:p>
-        </p:txBody>
-      </p:sp>
-      <p:sp>
-        <p:nvSpPr>
-          <p:cNvPr id="3" name="Content Placeholder 2"/>
-          <p:cNvSpPr>
-            <a:spLocks noGrp="1"/>
-          </p:cNvSpPr>
-          <p:nvPr>
-            <p:ph idx="1"/>
-          </p:nvPr>
-        </p:nvSpPr>
-        <p:spPr/>
-        <p:txBody>
-          <a:bodyPr/>
-          <a:lstStyle/>
-          <a:p>
-            <a:r>
-              <a:rPr lang="sv-SE" dirty="0" err="1" smtClean="0"/>
-              <a:t>StanfordParser</a:t>
-            </a:r>
-            <a:endParaRPr lang="sv-SE" dirty="0" smtClean="0"/>
-          </a:p>
-          <a:p>
-            <a:r>
-              <a:rPr lang="en-US" dirty="0"/>
-              <a:t>“He is not stupid.”</a:t>
-            </a:r>
-            <a:endParaRPr lang="sv-SE" dirty="0" smtClean="0"/>
-          </a:p>
-          <a:p>
-            <a:pPr lvl="1"/>
-            <a:r>
-              <a:rPr lang="hr-HR" dirty="0"/>
-              <a:t>nsubj(stupid-4, He-1) </a:t>
-            </a:r>
-            <a:endParaRPr lang="hr-HR" dirty="0" smtClean="0"/>
-          </a:p>
-          <a:p>
-            <a:pPr lvl="1"/>
-            <a:r>
-              <a:rPr lang="hr-HR" dirty="0" smtClean="0"/>
-              <a:t>cop</a:t>
-            </a:r>
-            <a:r>
-              <a:rPr lang="hr-HR" dirty="0"/>
-              <a:t>(stupid-4, is-2) </a:t>
-            </a:r>
-            <a:endParaRPr lang="hr-HR" dirty="0" smtClean="0"/>
-          </a:p>
-          <a:p>
-            <a:pPr lvl="1"/>
-            <a:r>
-              <a:rPr lang="hr-HR" b="1" dirty="0" smtClean="0"/>
-              <a:t>neg</a:t>
-            </a:r>
-            <a:r>
-              <a:rPr lang="hr-HR" b="1" dirty="0"/>
-              <a:t>(stupid-4, not-3) </a:t>
-            </a:r>
-            <a:endParaRPr lang="hr-HR" b="1" dirty="0" smtClean="0"/>
-          </a:p>
-          <a:p>
-            <a:pPr lvl="1"/>
-            <a:r>
-              <a:rPr lang="hr-HR" dirty="0" smtClean="0"/>
-              <a:t>root</a:t>
-            </a:r>
-            <a:r>
-              <a:rPr lang="hr-HR" dirty="0"/>
-              <a:t>(ROOT-0, stupid-4)</a:t>
-            </a:r>
-            <a:endParaRPr lang="en-US" dirty="0"/>
-          </a:p>
-        </p:txBody>
-      </p:sp>
-    </p:spTree>
-    <p:extLst>
-      <p:ext uri="{BB962C8B-B14F-4D97-AF65-F5344CB8AC3E}">
-        <p14:creationId xmlns:p14="http://schemas.microsoft.com/office/powerpoint/2010/main" val="3012249765"/>
-      </p:ext>
-    </p:extLst>
-  </p:cSld>
-  <p:clrMapOvr>
-    <a:masterClrMapping/>
-  </p:clrMapOvr>
 </p:sld>
 </file>
 
